--- a/BenefitsApplyTool/src/main/java/com/ssp/benefitsapplytool/resources/Benefits Apply Tool.pptx
+++ b/BenefitsApplyTool/src/main/java/com/ssp/benefitsapplytool/resources/Benefits Apply Tool.pptx
@@ -2,57 +2,51 @@
 <file path=ppt/presentation.xml><?xml version="1.0" encoding="utf-8"?>
 <p:presentation xmlns:a="http://schemas.openxmlformats.org/drawingml/2006/main" xmlns:r="http://schemas.openxmlformats.org/officeDocument/2006/relationships" xmlns:mc="http://schemas.openxmlformats.org/markup-compatibility/2006" xmlns:mv="urn:schemas-microsoft-com:mac:vml" xmlns:p="http://schemas.openxmlformats.org/presentationml/2006/main" xmlns:c="http://schemas.openxmlformats.org/drawingml/2006/chart" xmlns:dgm="http://schemas.openxmlformats.org/drawingml/2006/diagram" xmlns:o="urn:schemas-microsoft-com:office:office" xmlns:v="urn:schemas-microsoft-com:vml" xmlns:pvml="urn:schemas-microsoft-com:office:powerpoint" xmlns:com="http://schemas.openxmlformats.org/drawingml/2006/compatibility" xmlns:p14="http://schemas.microsoft.com/office/powerpoint/2010/main" xmlns:p15="http://schemas.microsoft.com/office/powerpoint/2012/main" xmlns:ahyp="http://schemas.microsoft.com/office/drawing/2018/hyperlinkcolor" autoCompressPictures="0" embedTrueTypeFonts="1" strictFirstAndLastChars="0" saveSubsetFonts="1">
   <p:sldMasterIdLst>
-    <p:sldMasterId id="2147483659" r:id="rId4"/>
+    <p:sldMasterId id="2147483659" r:id="rId5"/>
   </p:sldMasterIdLst>
   <p:notesMasterIdLst>
-    <p:notesMasterId r:id="rId5"/>
+    <p:notesMasterId r:id="rId6"/>
   </p:notesMasterIdLst>
   <p:sldIdLst>
-    <p:sldId id="256" r:id="rId6"/>
-    <p:sldId id="257" r:id="rId7"/>
-    <p:sldId id="258" r:id="rId8"/>
-    <p:sldId id="259" r:id="rId9"/>
-    <p:sldId id="260" r:id="rId10"/>
-    <p:sldId id="261" r:id="rId11"/>
-    <p:sldId id="262" r:id="rId12"/>
-    <p:sldId id="263" r:id="rId13"/>
-    <p:sldId id="264" r:id="rId14"/>
-    <p:sldId id="265" r:id="rId15"/>
-    <p:sldId id="266" r:id="rId16"/>
-    <p:sldId id="267" r:id="rId17"/>
-    <p:sldId id="268" r:id="rId18"/>
-    <p:sldId id="269" r:id="rId19"/>
-    <p:sldId id="270" r:id="rId20"/>
-    <p:sldId id="271" r:id="rId21"/>
-    <p:sldId id="272" r:id="rId22"/>
-    <p:sldId id="273" r:id="rId23"/>
-    <p:sldId id="274" r:id="rId24"/>
-    <p:sldId id="275" r:id="rId25"/>
-    <p:sldId id="276" r:id="rId26"/>
+    <p:sldId id="256" r:id="rId7"/>
+    <p:sldId id="257" r:id="rId8"/>
+    <p:sldId id="258" r:id="rId9"/>
+    <p:sldId id="259" r:id="rId10"/>
+    <p:sldId id="260" r:id="rId11"/>
+    <p:sldId id="261" r:id="rId12"/>
+    <p:sldId id="262" r:id="rId13"/>
+    <p:sldId id="263" r:id="rId14"/>
+    <p:sldId id="264" r:id="rId15"/>
+    <p:sldId id="265" r:id="rId16"/>
+    <p:sldId id="266" r:id="rId17"/>
+    <p:sldId id="267" r:id="rId18"/>
+    <p:sldId id="268" r:id="rId19"/>
+    <p:sldId id="269" r:id="rId20"/>
+    <p:sldId id="270" r:id="rId21"/>
+    <p:sldId id="271" r:id="rId22"/>
+    <p:sldId id="272" r:id="rId23"/>
+    <p:sldId id="273" r:id="rId24"/>
+    <p:sldId id="274" r:id="rId25"/>
+    <p:sldId id="275" r:id="rId26"/>
+    <p:sldId id="276" r:id="rId27"/>
+    <p:sldId id="277" r:id="rId28"/>
   </p:sldIdLst>
   <p:sldSz cy="5143500" cx="9144000"/>
   <p:notesSz cx="6858000" cy="9144000"/>
   <p:embeddedFontLst>
     <p:embeddedFont>
       <p:font typeface="Montserrat"/>
-      <p:regular r:id="rId27"/>
-      <p:bold r:id="rId28"/>
-      <p:italic r:id="rId29"/>
-      <p:boldItalic r:id="rId30"/>
+      <p:regular r:id="rId29"/>
+      <p:bold r:id="rId30"/>
+      <p:italic r:id="rId31"/>
+      <p:boldItalic r:id="rId32"/>
     </p:embeddedFont>
     <p:embeddedFont>
       <p:font typeface="Lato"/>
-      <p:regular r:id="rId31"/>
-      <p:bold r:id="rId32"/>
-      <p:italic r:id="rId33"/>
-      <p:boldItalic r:id="rId34"/>
-    </p:embeddedFont>
-    <p:embeddedFont>
-      <p:font typeface="Roboto Mono"/>
-      <p:regular r:id="rId35"/>
-      <p:bold r:id="rId36"/>
-      <p:italic r:id="rId37"/>
-      <p:boldItalic r:id="rId38"/>
+      <p:regular r:id="rId33"/>
+      <p:bold r:id="rId34"/>
+      <p:italic r:id="rId35"/>
+      <p:boldItalic r:id="rId36"/>
     </p:embeddedFont>
   </p:embeddedFontLst>
   <p:defaultTextStyle>
@@ -847,7 +841,7 @@
       </p:grpSpPr>
       <p:sp>
         <p:nvSpPr>
-          <p:cNvPr id="193" name="Google Shape;193;g33f159eada3_13_53:notes"/>
+          <p:cNvPr id="193" name="Google Shape;193;g340c8eef290_0_47:notes"/>
           <p:cNvSpPr/>
           <p:nvPr>
             <p:ph idx="2" type="sldImg"/>
@@ -882,7 +876,7 @@
       </p:sp>
       <p:sp>
         <p:nvSpPr>
-          <p:cNvPr id="194" name="Google Shape;194;g33f159eada3_13_53:notes"/>
+          <p:cNvPr id="194" name="Google Shape;194;g340c8eef290_0_47:notes"/>
           <p:cNvSpPr txBox="1"/>
           <p:nvPr>
             <p:ph idx="1" type="body"/>
@@ -932,7 +926,7 @@
   <p:cSld>
     <p:spTree>
       <p:nvGrpSpPr>
-        <p:cNvPr id="199" name="Shape 199"/>
+        <p:cNvPr id="198" name="Shape 198"/>
         <p:cNvGrpSpPr/>
         <p:nvPr/>
       </p:nvGrpSpPr>
@@ -946,7 +940,7 @@
       </p:grpSpPr>
       <p:sp>
         <p:nvSpPr>
-          <p:cNvPr id="200" name="Google Shape;200;g33f159eada3_13_120:notes"/>
+          <p:cNvPr id="199" name="Google Shape;199;g33f159eada3_13_53:notes"/>
           <p:cNvSpPr/>
           <p:nvPr>
             <p:ph idx="2" type="sldImg"/>
@@ -981,7 +975,7 @@
       </p:sp>
       <p:sp>
         <p:nvSpPr>
-          <p:cNvPr id="201" name="Google Shape;201;g33f159eada3_13_120:notes"/>
+          <p:cNvPr id="200" name="Google Shape;200;g33f159eada3_13_53:notes"/>
           <p:cNvSpPr txBox="1"/>
           <p:nvPr>
             <p:ph idx="1" type="body"/>
@@ -1031,7 +1025,7 @@
   <p:cSld>
     <p:spTree>
       <p:nvGrpSpPr>
-        <p:cNvPr id="205" name="Shape 205"/>
+        <p:cNvPr id="206" name="Shape 206"/>
         <p:cNvGrpSpPr/>
         <p:nvPr/>
       </p:nvGrpSpPr>
@@ -1045,7 +1039,7 @@
       </p:grpSpPr>
       <p:sp>
         <p:nvSpPr>
-          <p:cNvPr id="206" name="Google Shape;206;g33f159eada3_13_126:notes"/>
+          <p:cNvPr id="207" name="Google Shape;207;g33f159eada3_13_120:notes"/>
           <p:cNvSpPr/>
           <p:nvPr>
             <p:ph idx="2" type="sldImg"/>
@@ -1080,7 +1074,7 @@
       </p:sp>
       <p:sp>
         <p:nvSpPr>
-          <p:cNvPr id="207" name="Google Shape;207;g33f159eada3_13_126:notes"/>
+          <p:cNvPr id="208" name="Google Shape;208;g33f159eada3_13_120:notes"/>
           <p:cNvSpPr txBox="1"/>
           <p:nvPr>
             <p:ph idx="1" type="body"/>
@@ -1130,7 +1124,7 @@
   <p:cSld>
     <p:spTree>
       <p:nvGrpSpPr>
-        <p:cNvPr id="211" name="Shape 211"/>
+        <p:cNvPr id="212" name="Shape 212"/>
         <p:cNvGrpSpPr/>
         <p:nvPr/>
       </p:nvGrpSpPr>
@@ -1144,7 +1138,7 @@
       </p:grpSpPr>
       <p:sp>
         <p:nvSpPr>
-          <p:cNvPr id="212" name="Google Shape;212;g33f159eada3_13_133:notes"/>
+          <p:cNvPr id="213" name="Google Shape;213;g340c8eef290_0_63:notes"/>
           <p:cNvSpPr/>
           <p:nvPr>
             <p:ph idx="2" type="sldImg"/>
@@ -1179,7 +1173,7 @@
       </p:sp>
       <p:sp>
         <p:nvSpPr>
-          <p:cNvPr id="213" name="Google Shape;213;g33f159eada3_13_133:notes"/>
+          <p:cNvPr id="214" name="Google Shape;214;g340c8eef290_0_63:notes"/>
           <p:cNvSpPr txBox="1"/>
           <p:nvPr>
             <p:ph idx="1" type="body"/>
@@ -1229,7 +1223,7 @@
   <p:cSld>
     <p:spTree>
       <p:nvGrpSpPr>
-        <p:cNvPr id="217" name="Shape 217"/>
+        <p:cNvPr id="218" name="Shape 218"/>
         <p:cNvGrpSpPr/>
         <p:nvPr/>
       </p:nvGrpSpPr>
@@ -1243,7 +1237,7 @@
       </p:grpSpPr>
       <p:sp>
         <p:nvSpPr>
-          <p:cNvPr id="218" name="Google Shape;218;g33f159eada3_13_139:notes"/>
+          <p:cNvPr id="219" name="Google Shape;219;g33f159eada3_13_133:notes"/>
           <p:cNvSpPr/>
           <p:nvPr>
             <p:ph idx="2" type="sldImg"/>
@@ -1278,7 +1272,7 @@
       </p:sp>
       <p:sp>
         <p:nvSpPr>
-          <p:cNvPr id="219" name="Google Shape;219;g33f159eada3_13_139:notes"/>
+          <p:cNvPr id="220" name="Google Shape;220;g33f159eada3_13_133:notes"/>
           <p:cNvSpPr txBox="1"/>
           <p:nvPr>
             <p:ph idx="1" type="body"/>
@@ -1328,7 +1322,7 @@
   <p:cSld>
     <p:spTree>
       <p:nvGrpSpPr>
-        <p:cNvPr id="223" name="Shape 223"/>
+        <p:cNvPr id="224" name="Shape 224"/>
         <p:cNvGrpSpPr/>
         <p:nvPr/>
       </p:nvGrpSpPr>
@@ -1342,7 +1336,7 @@
       </p:grpSpPr>
       <p:sp>
         <p:nvSpPr>
-          <p:cNvPr id="224" name="Google Shape;224;g33f159eada3_13_66:notes"/>
+          <p:cNvPr id="225" name="Google Shape;225;g33f159eada3_13_139:notes"/>
           <p:cNvSpPr/>
           <p:nvPr>
             <p:ph idx="2" type="sldImg"/>
@@ -1377,7 +1371,7 @@
       </p:sp>
       <p:sp>
         <p:nvSpPr>
-          <p:cNvPr id="225" name="Google Shape;225;g33f159eada3_13_66:notes"/>
+          <p:cNvPr id="226" name="Google Shape;226;g33f159eada3_13_139:notes"/>
           <p:cNvSpPr txBox="1"/>
           <p:nvPr>
             <p:ph idx="1" type="body"/>
@@ -1427,7 +1421,7 @@
   <p:cSld>
     <p:spTree>
       <p:nvGrpSpPr>
-        <p:cNvPr id="231" name="Shape 231"/>
+        <p:cNvPr id="230" name="Shape 230"/>
         <p:cNvGrpSpPr/>
         <p:nvPr/>
       </p:nvGrpSpPr>
@@ -1441,7 +1435,7 @@
       </p:grpSpPr>
       <p:sp>
         <p:nvSpPr>
-          <p:cNvPr id="232" name="Google Shape;232;g33f159eada3_13_150:notes"/>
+          <p:cNvPr id="231" name="Google Shape;231;g33f159eada3_13_66:notes"/>
           <p:cNvSpPr/>
           <p:nvPr>
             <p:ph idx="2" type="sldImg"/>
@@ -1476,7 +1470,7 @@
       </p:sp>
       <p:sp>
         <p:nvSpPr>
-          <p:cNvPr id="233" name="Google Shape;233;g33f159eada3_13_150:notes"/>
+          <p:cNvPr id="232" name="Google Shape;232;g33f159eada3_13_66:notes"/>
           <p:cNvSpPr txBox="1"/>
           <p:nvPr>
             <p:ph idx="1" type="body"/>
@@ -1526,7 +1520,7 @@
   <p:cSld>
     <p:spTree>
       <p:nvGrpSpPr>
-        <p:cNvPr id="238" name="Shape 238"/>
+        <p:cNvPr id="237" name="Shape 237"/>
         <p:cNvGrpSpPr/>
         <p:nvPr/>
       </p:nvGrpSpPr>
@@ -1540,7 +1534,7 @@
       </p:grpSpPr>
       <p:sp>
         <p:nvSpPr>
-          <p:cNvPr id="239" name="Google Shape;239;g33f159eada3_13_17:notes"/>
+          <p:cNvPr id="238" name="Google Shape;238;g33f159eada3_13_150:notes"/>
           <p:cNvSpPr/>
           <p:nvPr>
             <p:ph idx="2" type="sldImg"/>
@@ -1575,7 +1569,7 @@
       </p:sp>
       <p:sp>
         <p:nvSpPr>
-          <p:cNvPr id="240" name="Google Shape;240;g33f159eada3_13_17:notes"/>
+          <p:cNvPr id="239" name="Google Shape;239;g33f159eada3_13_150:notes"/>
           <p:cNvSpPr txBox="1"/>
           <p:nvPr>
             <p:ph idx="1" type="body"/>
@@ -1625,7 +1619,7 @@
   <p:cSld>
     <p:spTree>
       <p:nvGrpSpPr>
-        <p:cNvPr id="245" name="Shape 245"/>
+        <p:cNvPr id="244" name="Shape 244"/>
         <p:cNvGrpSpPr/>
         <p:nvPr/>
       </p:nvGrpSpPr>
@@ -1639,7 +1633,7 @@
       </p:grpSpPr>
       <p:sp>
         <p:nvSpPr>
-          <p:cNvPr id="246" name="Google Shape;246;g33f159eada3_13_74:notes"/>
+          <p:cNvPr id="245" name="Google Shape;245;g33f159eada3_13_17:notes"/>
           <p:cNvSpPr/>
           <p:nvPr>
             <p:ph idx="2" type="sldImg"/>
@@ -1674,7 +1668,7 @@
       </p:sp>
       <p:sp>
         <p:nvSpPr>
-          <p:cNvPr id="247" name="Google Shape;247;g33f159eada3_13_74:notes"/>
+          <p:cNvPr id="246" name="Google Shape;246;g33f159eada3_13_17:notes"/>
           <p:cNvSpPr txBox="1"/>
           <p:nvPr>
             <p:ph idx="1" type="body"/>
@@ -1724,7 +1718,7 @@
   <p:cSld>
     <p:spTree>
       <p:nvGrpSpPr>
-        <p:cNvPr id="252" name="Shape 252"/>
+        <p:cNvPr id="251" name="Shape 251"/>
         <p:cNvGrpSpPr/>
         <p:nvPr/>
       </p:nvGrpSpPr>
@@ -1738,7 +1732,7 @@
       </p:grpSpPr>
       <p:sp>
         <p:nvSpPr>
-          <p:cNvPr id="253" name="Google Shape;253;g33f159eada3_13_80:notes"/>
+          <p:cNvPr id="252" name="Google Shape;252;g33f159eada3_13_74:notes"/>
           <p:cNvSpPr/>
           <p:nvPr>
             <p:ph idx="2" type="sldImg"/>
@@ -1773,7 +1767,7 @@
       </p:sp>
       <p:sp>
         <p:nvSpPr>
-          <p:cNvPr id="254" name="Google Shape;254;g33f159eada3_13_80:notes"/>
+          <p:cNvPr id="253" name="Google Shape;253;g33f159eada3_13_74:notes"/>
           <p:cNvSpPr txBox="1"/>
           <p:nvPr>
             <p:ph idx="1" type="body"/>
@@ -1922,7 +1916,7 @@
   <p:cSld>
     <p:spTree>
       <p:nvGrpSpPr>
-        <p:cNvPr id="259" name="Shape 259"/>
+        <p:cNvPr id="258" name="Shape 258"/>
         <p:cNvGrpSpPr/>
         <p:nvPr/>
       </p:nvGrpSpPr>
@@ -1936,7 +1930,7 @@
       </p:grpSpPr>
       <p:sp>
         <p:nvSpPr>
-          <p:cNvPr id="260" name="Google Shape;260;g33f159eada3_13_88:notes"/>
+          <p:cNvPr id="259" name="Google Shape;259;g33f159eada3_13_80:notes"/>
           <p:cNvSpPr/>
           <p:nvPr>
             <p:ph idx="2" type="sldImg"/>
@@ -1971,7 +1965,7 @@
       </p:sp>
       <p:sp>
         <p:nvSpPr>
-          <p:cNvPr id="261" name="Google Shape;261;g33f159eada3_13_88:notes"/>
+          <p:cNvPr id="260" name="Google Shape;260;g33f159eada3_13_80:notes"/>
           <p:cNvSpPr txBox="1"/>
           <p:nvPr>
             <p:ph idx="1" type="body"/>
@@ -2035,7 +2029,7 @@
       </p:grpSpPr>
       <p:sp>
         <p:nvSpPr>
-          <p:cNvPr id="266" name="Google Shape;266;g33f159eada3_13_145:notes"/>
+          <p:cNvPr id="266" name="Google Shape;266;g33f159eada3_13_88:notes"/>
           <p:cNvSpPr/>
           <p:nvPr>
             <p:ph idx="2" type="sldImg"/>
@@ -2070,7 +2064,106 @@
       </p:sp>
       <p:sp>
         <p:nvSpPr>
-          <p:cNvPr id="267" name="Google Shape;267;g33f159eada3_13_145:notes"/>
+          <p:cNvPr id="267" name="Google Shape;267;g33f159eada3_13_88:notes"/>
+          <p:cNvSpPr txBox="1"/>
+          <p:nvPr>
+            <p:ph idx="1" type="body"/>
+          </p:nvPr>
+        </p:nvSpPr>
+        <p:spPr>
+          <a:xfrm>
+            <a:off x="685800" y="4343400"/>
+            <a:ext cx="5486400" cy="4114800"/>
+          </a:xfrm>
+          <a:prstGeom prst="rect">
+            <a:avLst/>
+          </a:prstGeom>
+        </p:spPr>
+        <p:txBody>
+          <a:bodyPr anchorCtr="0" anchor="t" bIns="91425" lIns="91425" spcFirstLastPara="1" rIns="91425" wrap="square" tIns="91425">
+            <a:noAutofit/>
+          </a:bodyPr>
+          <a:lstStyle/>
+          <a:p>
+            <a:pPr indent="0" lvl="0" marL="0" rtl="0" algn="l">
+              <a:spcBef>
+                <a:spcPts val="0"/>
+              </a:spcBef>
+              <a:spcAft>
+                <a:spcPts val="0"/>
+              </a:spcAft>
+              <a:buNone/>
+            </a:pPr>
+            <a:r>
+              <a:t/>
+            </a:r>
+            <a:endParaRPr/>
+          </a:p>
+        </p:txBody>
+      </p:sp>
+    </p:spTree>
+  </p:cSld>
+  <p:clrMapOvr>
+    <a:masterClrMapping/>
+  </p:clrMapOvr>
+</p:notes>
+</file>
+
+<file path=ppt/notesSlides/notesSlide22.xml><?xml version="1.0" encoding="utf-8"?>
+<p:notes xmlns:a="http://schemas.openxmlformats.org/drawingml/2006/main" xmlns:r="http://schemas.openxmlformats.org/officeDocument/2006/relationships" xmlns:mc="http://schemas.openxmlformats.org/markup-compatibility/2006" xmlns:mv="urn:schemas-microsoft-com:mac:vml" xmlns:p="http://schemas.openxmlformats.org/presentationml/2006/main" xmlns:c="http://schemas.openxmlformats.org/drawingml/2006/chart" xmlns:dgm="http://schemas.openxmlformats.org/drawingml/2006/diagram" xmlns:o="urn:schemas-microsoft-com:office:office" xmlns:v="urn:schemas-microsoft-com:vml" xmlns:pvml="urn:schemas-microsoft-com:office:powerpoint" xmlns:com="http://schemas.openxmlformats.org/drawingml/2006/compatibility" xmlns:p14="http://schemas.microsoft.com/office/powerpoint/2010/main" xmlns:p15="http://schemas.microsoft.com/office/powerpoint/2012/main" xmlns:ahyp="http://schemas.microsoft.com/office/drawing/2018/hyperlinkcolor" showMasterPhAnim="0" showMasterSp="0">
+  <p:cSld>
+    <p:spTree>
+      <p:nvGrpSpPr>
+        <p:cNvPr id="271" name="Shape 271"/>
+        <p:cNvGrpSpPr/>
+        <p:nvPr/>
+      </p:nvGrpSpPr>
+      <p:grpSpPr>
+        <a:xfrm>
+          <a:off x="0" y="0"/>
+          <a:ext cx="0" cy="0"/>
+          <a:chOff x="0" y="0"/>
+          <a:chExt cx="0" cy="0"/>
+        </a:xfrm>
+      </p:grpSpPr>
+      <p:sp>
+        <p:nvSpPr>
+          <p:cNvPr id="272" name="Google Shape;272;g33f159eada3_13_145:notes"/>
+          <p:cNvSpPr/>
+          <p:nvPr>
+            <p:ph idx="2" type="sldImg"/>
+          </p:nvPr>
+        </p:nvSpPr>
+        <p:spPr>
+          <a:xfrm>
+            <a:off x="381300" y="685800"/>
+            <a:ext cx="6096000" cy="3429000"/>
+          </a:xfrm>
+          <a:custGeom>
+            <a:rect b="b" l="l" r="r" t="t"/>
+            <a:pathLst>
+              <a:path extrusionOk="0" h="120000" w="120000">
+                <a:moveTo>
+                  <a:pt x="0" y="0"/>
+                </a:moveTo>
+                <a:lnTo>
+                  <a:pt x="120000" y="0"/>
+                </a:lnTo>
+                <a:lnTo>
+                  <a:pt x="120000" y="120000"/>
+                </a:lnTo>
+                <a:lnTo>
+                  <a:pt x="0" y="120000"/>
+                </a:lnTo>
+                <a:close/>
+              </a:path>
+            </a:pathLst>
+          </a:custGeom>
+        </p:spPr>
+      </p:sp>
+      <p:sp>
+        <p:nvSpPr>
+          <p:cNvPr id="273" name="Google Shape;273;g33f159eada3_13_145:notes"/>
           <p:cNvSpPr txBox="1"/>
           <p:nvPr>
             <p:ph idx="1" type="body"/>
@@ -2714,7 +2807,7 @@
   <p:cSld>
     <p:spTree>
       <p:nvGrpSpPr>
-        <p:cNvPr id="184" name="Shape 184"/>
+        <p:cNvPr id="185" name="Shape 185"/>
         <p:cNvGrpSpPr/>
         <p:nvPr/>
       </p:nvGrpSpPr>
@@ -2728,7 +2821,7 @@
       </p:grpSpPr>
       <p:sp>
         <p:nvSpPr>
-          <p:cNvPr id="185" name="Google Shape;185;g33f159eada3_13_41:notes"/>
+          <p:cNvPr id="186" name="Google Shape;186;g33f159eada3_13_41:notes"/>
           <p:cNvSpPr/>
           <p:nvPr>
             <p:ph idx="2" type="sldImg"/>
@@ -2763,7 +2856,7 @@
       </p:sp>
       <p:sp>
         <p:nvSpPr>
-          <p:cNvPr id="186" name="Google Shape;186;g33f159eada3_13_41:notes"/>
+          <p:cNvPr id="187" name="Google Shape;187;g33f159eada3_13_41:notes"/>
           <p:cNvSpPr txBox="1"/>
           <p:nvPr>
             <p:ph idx="1" type="body"/>
@@ -11148,8 +11241,8 @@
         </p:blipFill>
         <p:spPr>
           <a:xfrm>
-            <a:off x="4649513" y="4343395"/>
-            <a:ext cx="2120436" cy="800105"/>
+            <a:off x="1844713" y="21313"/>
+            <a:ext cx="3078487" cy="5100881"/>
           </a:xfrm>
           <a:prstGeom prst="rect">
             <a:avLst/>
@@ -11176,36 +11269,8 @@
         </p:blipFill>
         <p:spPr>
           <a:xfrm>
-            <a:off x="4649513" y="0"/>
-            <a:ext cx="2958000" cy="4343396"/>
-          </a:xfrm>
-          <a:prstGeom prst="rect">
-            <a:avLst/>
-          </a:prstGeom>
-          <a:noFill/>
-          <a:ln>
-            <a:noFill/>
-          </a:ln>
-        </p:spPr>
-      </p:pic>
-      <p:pic>
-        <p:nvPicPr>
-          <p:cNvPr id="198" name="Google Shape;198;p22"/>
-          <p:cNvPicPr preferRelativeResize="0"/>
-          <p:nvPr/>
-        </p:nvPicPr>
-        <p:blipFill>
-          <a:blip r:embed="rId5">
-            <a:alphaModFix/>
-          </a:blip>
-          <a:stretch>
-            <a:fillRect/>
-          </a:stretch>
-        </p:blipFill>
-        <p:spPr>
-          <a:xfrm>
-            <a:off x="1536488" y="574300"/>
-            <a:ext cx="3055650" cy="4569199"/>
+            <a:off x="5172329" y="0"/>
+            <a:ext cx="2126959" cy="5143500"/>
           </a:xfrm>
           <a:prstGeom prst="rect">
             <a:avLst/>
@@ -11227,9 +11292,151 @@
 <file path=ppt/slides/slide11.xml><?xml version="1.0" encoding="utf-8"?>
 <p:sld xmlns:a="http://schemas.openxmlformats.org/drawingml/2006/main" xmlns:r="http://schemas.openxmlformats.org/officeDocument/2006/relationships" xmlns:mc="http://schemas.openxmlformats.org/markup-compatibility/2006" xmlns:mv="urn:schemas-microsoft-com:mac:vml" xmlns:p="http://schemas.openxmlformats.org/presentationml/2006/main" xmlns:c="http://schemas.openxmlformats.org/drawingml/2006/chart" xmlns:dgm="http://schemas.openxmlformats.org/drawingml/2006/diagram" xmlns:o="urn:schemas-microsoft-com:office:office" xmlns:v="urn:schemas-microsoft-com:vml" xmlns:pvml="urn:schemas-microsoft-com:office:powerpoint" xmlns:com="http://schemas.openxmlformats.org/drawingml/2006/compatibility" xmlns:p14="http://schemas.microsoft.com/office/powerpoint/2010/main" xmlns:p15="http://schemas.microsoft.com/office/powerpoint/2012/main" xmlns:ahyp="http://schemas.microsoft.com/office/drawing/2018/hyperlinkcolor">
   <p:cSld>
+    <p:bg>
+      <p:bgPr>
+        <a:solidFill>
+          <a:schemeClr val="lt1"/>
+        </a:solidFill>
+      </p:bgPr>
+    </p:bg>
     <p:spTree>
       <p:nvGrpSpPr>
-        <p:cNvPr id="202" name="Shape 202"/>
+        <p:cNvPr id="201" name="Shape 201"/>
+        <p:cNvGrpSpPr/>
+        <p:nvPr/>
+      </p:nvGrpSpPr>
+      <p:grpSpPr>
+        <a:xfrm>
+          <a:off x="0" y="0"/>
+          <a:ext cx="0" cy="0"/>
+          <a:chOff x="0" y="0"/>
+          <a:chExt cx="0" cy="0"/>
+        </a:xfrm>
+      </p:grpSpPr>
+      <p:pic>
+        <p:nvPicPr>
+          <p:cNvPr id="202" name="Google Shape;202;p23"/>
+          <p:cNvPicPr preferRelativeResize="0"/>
+          <p:nvPr/>
+        </p:nvPicPr>
+        <p:blipFill>
+          <a:blip r:embed="rId3">
+            <a:alphaModFix/>
+          </a:blip>
+          <a:stretch>
+            <a:fillRect/>
+          </a:stretch>
+        </p:blipFill>
+        <p:spPr>
+          <a:xfrm>
+            <a:off x="1487877" y="89675"/>
+            <a:ext cx="3084126" cy="3527858"/>
+          </a:xfrm>
+          <a:prstGeom prst="rect">
+            <a:avLst/>
+          </a:prstGeom>
+          <a:noFill/>
+          <a:ln>
+            <a:noFill/>
+          </a:ln>
+        </p:spPr>
+      </p:pic>
+      <p:pic>
+        <p:nvPicPr>
+          <p:cNvPr id="203" name="Google Shape;203;p23"/>
+          <p:cNvPicPr preferRelativeResize="0"/>
+          <p:nvPr/>
+        </p:nvPicPr>
+        <p:blipFill rotWithShape="1">
+          <a:blip r:embed="rId4">
+            <a:alphaModFix/>
+          </a:blip>
+          <a:srcRect b="42980" l="0" r="0" t="0"/>
+          <a:stretch/>
+        </p:blipFill>
+        <p:spPr>
+          <a:xfrm>
+            <a:off x="1487875" y="3617525"/>
+            <a:ext cx="3084125" cy="1436301"/>
+          </a:xfrm>
+          <a:prstGeom prst="rect">
+            <a:avLst/>
+          </a:prstGeom>
+          <a:noFill/>
+          <a:ln>
+            <a:noFill/>
+          </a:ln>
+        </p:spPr>
+      </p:pic>
+      <p:pic>
+        <p:nvPicPr>
+          <p:cNvPr id="204" name="Google Shape;204;p23"/>
+          <p:cNvPicPr preferRelativeResize="0"/>
+          <p:nvPr/>
+        </p:nvPicPr>
+        <p:blipFill rotWithShape="1">
+          <a:blip r:embed="rId4">
+            <a:alphaModFix/>
+          </a:blip>
+          <a:srcRect b="0" l="0" r="0" t="58381"/>
+          <a:stretch/>
+        </p:blipFill>
+        <p:spPr>
+          <a:xfrm>
+            <a:off x="4572000" y="89678"/>
+            <a:ext cx="3084125" cy="1048350"/>
+          </a:xfrm>
+          <a:prstGeom prst="rect">
+            <a:avLst/>
+          </a:prstGeom>
+          <a:noFill/>
+          <a:ln>
+            <a:noFill/>
+          </a:ln>
+        </p:spPr>
+      </p:pic>
+      <p:pic>
+        <p:nvPicPr>
+          <p:cNvPr id="205" name="Google Shape;205;p23"/>
+          <p:cNvPicPr preferRelativeResize="0"/>
+          <p:nvPr/>
+        </p:nvPicPr>
+        <p:blipFill>
+          <a:blip r:embed="rId5">
+            <a:alphaModFix/>
+          </a:blip>
+          <a:stretch>
+            <a:fillRect/>
+          </a:stretch>
+        </p:blipFill>
+        <p:spPr>
+          <a:xfrm>
+            <a:off x="4572002" y="1138028"/>
+            <a:ext cx="3244849" cy="3700673"/>
+          </a:xfrm>
+          <a:prstGeom prst="rect">
+            <a:avLst/>
+          </a:prstGeom>
+          <a:noFill/>
+          <a:ln>
+            <a:noFill/>
+          </a:ln>
+        </p:spPr>
+      </p:pic>
+    </p:spTree>
+  </p:cSld>
+  <p:clrMapOvr>
+    <a:masterClrMapping/>
+  </p:clrMapOvr>
+</p:sld>
+</file>
+
+<file path=ppt/slides/slide12.xml><?xml version="1.0" encoding="utf-8"?>
+<p:sld xmlns:a="http://schemas.openxmlformats.org/drawingml/2006/main" xmlns:r="http://schemas.openxmlformats.org/officeDocument/2006/relationships" xmlns:mc="http://schemas.openxmlformats.org/markup-compatibility/2006" xmlns:mv="urn:schemas-microsoft-com:mac:vml" xmlns:p="http://schemas.openxmlformats.org/presentationml/2006/main" xmlns:c="http://schemas.openxmlformats.org/drawingml/2006/chart" xmlns:dgm="http://schemas.openxmlformats.org/drawingml/2006/diagram" xmlns:o="urn:schemas-microsoft-com:office:office" xmlns:v="urn:schemas-microsoft-com:vml" xmlns:pvml="urn:schemas-microsoft-com:office:powerpoint" xmlns:com="http://schemas.openxmlformats.org/drawingml/2006/compatibility" xmlns:p14="http://schemas.microsoft.com/office/powerpoint/2010/main" xmlns:p15="http://schemas.microsoft.com/office/powerpoint/2012/main" xmlns:ahyp="http://schemas.microsoft.com/office/drawing/2018/hyperlinkcolor">
+  <p:cSld>
+    <p:spTree>
+      <p:nvGrpSpPr>
+        <p:cNvPr id="209" name="Shape 209"/>
         <p:cNvGrpSpPr/>
         <p:nvPr/>
       </p:nvGrpSpPr>
@@ -11243,7 +11450,7 @@
       </p:grpSpPr>
       <p:sp>
         <p:nvSpPr>
-          <p:cNvPr id="203" name="Google Shape;203;p23"/>
+          <p:cNvPr id="210" name="Google Shape;210;p24"/>
           <p:cNvSpPr txBox="1"/>
           <p:nvPr>
             <p:ph type="title"/>
@@ -11283,7 +11490,7 @@
       </p:sp>
       <p:sp>
         <p:nvSpPr>
-          <p:cNvPr id="204" name="Google Shape;204;p23"/>
+          <p:cNvPr id="211" name="Google Shape;211;p24"/>
           <p:cNvSpPr txBox="1"/>
           <p:nvPr>
             <p:ph idx="1" type="body"/>
@@ -11325,22 +11532,13 @@
                 <a:cs typeface="Arial"/>
                 <a:sym typeface="Arial"/>
               </a:rPr>
-              <a:t>Step-by-step creation of a </a:t>
-            </a:r>
-            <a:r>
-              <a:rPr lang="en-GB" sz="1100">
-                <a:latin typeface="Roboto Mono"/>
-                <a:ea typeface="Roboto Mono"/>
-                <a:cs typeface="Roboto Mono"/>
-                <a:sym typeface="Roboto Mono"/>
-              </a:rPr>
-              <a:t>Participant</a:t>
+              <a:t>Step-by-step creation of a Participant</a:t>
             </a:r>
             <a:endParaRPr sz="1100">
-              <a:latin typeface="Roboto Mono"/>
-              <a:ea typeface="Roboto Mono"/>
-              <a:cs typeface="Roboto Mono"/>
-              <a:sym typeface="Roboto Mono"/>
+              <a:latin typeface="Arial"/>
+              <a:ea typeface="Arial"/>
+              <a:cs typeface="Arial"/>
+              <a:sym typeface="Arial"/>
             </a:endParaRPr>
           </a:p>
           <a:p>
@@ -11365,7 +11563,7 @@
                 <a:cs typeface="Arial"/>
                 <a:sym typeface="Arial"/>
               </a:rPr>
-              <a:t>Data validation at each step</a:t>
+              <a:t>Prompting and data validation at each step</a:t>
             </a:r>
             <a:endParaRPr sz="1100">
               <a:latin typeface="Arial"/>
@@ -11396,7 +11594,7 @@
                 <a:cs typeface="Arial"/>
                 <a:sym typeface="Arial"/>
               </a:rPr>
-              <a:t>Handling of optional and mandatory fields</a:t>
+              <a:t>Handling optional and mandatory fields differently</a:t>
             </a:r>
             <a:endParaRPr sz="1100">
               <a:latin typeface="Arial"/>
@@ -11427,25 +11625,7 @@
                 <a:cs typeface="Arial"/>
                 <a:sym typeface="Arial"/>
               </a:rPr>
-              <a:t>Preservation of historical data using </a:t>
-            </a:r>
-            <a:r>
-              <a:rPr lang="en-GB" sz="1100">
-                <a:latin typeface="Roboto Mono"/>
-                <a:ea typeface="Roboto Mono"/>
-                <a:cs typeface="Roboto Mono"/>
-                <a:sym typeface="Roboto Mono"/>
-              </a:rPr>
-              <a:t>Evidence</a:t>
-            </a:r>
-            <a:r>
-              <a:rPr lang="en-GB" sz="1100">
-                <a:latin typeface="Arial"/>
-                <a:ea typeface="Arial"/>
-                <a:cs typeface="Arial"/>
-                <a:sym typeface="Arial"/>
-              </a:rPr>
-              <a:t> pattern</a:t>
+              <a:t>Preservation of historical data using Evidence</a:t>
             </a:r>
             <a:endParaRPr sz="1100">
               <a:latin typeface="Arial"/>
@@ -11502,12 +11682,12 @@
 </p:sld>
 </file>
 
-<file path=ppt/slides/slide12.xml><?xml version="1.0" encoding="utf-8"?>
+<file path=ppt/slides/slide13.xml><?xml version="1.0" encoding="utf-8"?>
 <p:sld xmlns:a="http://schemas.openxmlformats.org/drawingml/2006/main" xmlns:r="http://schemas.openxmlformats.org/officeDocument/2006/relationships" xmlns:mc="http://schemas.openxmlformats.org/markup-compatibility/2006" xmlns:mv="urn:schemas-microsoft-com:mac:vml" xmlns:p="http://schemas.openxmlformats.org/presentationml/2006/main" xmlns:c="http://schemas.openxmlformats.org/drawingml/2006/chart" xmlns:dgm="http://schemas.openxmlformats.org/drawingml/2006/diagram" xmlns:o="urn:schemas-microsoft-com:office:office" xmlns:v="urn:schemas-microsoft-com:vml" xmlns:pvml="urn:schemas-microsoft-com:office:powerpoint" xmlns:com="http://schemas.openxmlformats.org/drawingml/2006/compatibility" xmlns:p14="http://schemas.microsoft.com/office/powerpoint/2010/main" xmlns:p15="http://schemas.microsoft.com/office/powerpoint/2012/main" xmlns:ahyp="http://schemas.microsoft.com/office/drawing/2018/hyperlinkcolor">
   <p:cSld>
     <p:spTree>
       <p:nvGrpSpPr>
-        <p:cNvPr id="208" name="Shape 208"/>
+        <p:cNvPr id="215" name="Shape 215"/>
         <p:cNvGrpSpPr/>
         <p:nvPr/>
       </p:nvGrpSpPr>
@@ -11521,7 +11701,7 @@
       </p:grpSpPr>
       <p:sp>
         <p:nvSpPr>
-          <p:cNvPr id="209" name="Google Shape;209;p24"/>
+          <p:cNvPr id="216" name="Google Shape;216;p25"/>
           <p:cNvSpPr txBox="1"/>
           <p:nvPr>
             <p:ph type="title"/>
@@ -11559,204 +11739,758 @@
           </a:p>
         </p:txBody>
       </p:sp>
-      <p:sp>
-        <p:nvSpPr>
-          <p:cNvPr id="210" name="Google Shape;210;p24"/>
-          <p:cNvSpPr txBox="1"/>
-          <p:nvPr>
-            <p:ph idx="1" type="body"/>
-          </p:nvPr>
-        </p:nvSpPr>
-        <p:spPr>
-          <a:xfrm>
-            <a:off x="1297500" y="1567550"/>
-            <a:ext cx="7038900" cy="2911200"/>
-          </a:xfrm>
-          <a:prstGeom prst="rect">
-            <a:avLst/>
-          </a:prstGeom>
-        </p:spPr>
-        <p:txBody>
-          <a:bodyPr anchorCtr="0" anchor="t" bIns="91425" lIns="91425" spcFirstLastPara="1" rIns="91425" wrap="square" tIns="91425">
-            <a:normAutofit fontScale="55000" lnSpcReduction="20000"/>
-          </a:bodyPr>
-          <a:lstStyle/>
-          <a:p>
-            <a:pPr indent="0" lvl="0" marL="0" rtl="0" algn="l">
-              <a:spcBef>
-                <a:spcPts val="0"/>
-              </a:spcBef>
-              <a:spcAft>
-                <a:spcPts val="0"/>
-              </a:spcAft>
-              <a:buNone/>
-            </a:pPr>
-            <a:r>
-              <a:rPr lang="en-GB"/>
-              <a:t>Requirement	How It’s Addressed</a:t>
-            </a:r>
-            <a:endParaRPr/>
-          </a:p>
-          <a:p>
-            <a:pPr indent="0" lvl="0" marL="0" rtl="0" algn="l">
-              <a:spcBef>
-                <a:spcPts val="1200"/>
-              </a:spcBef>
-              <a:spcAft>
-                <a:spcPts val="0"/>
-              </a:spcAft>
-              <a:buNone/>
-            </a:pPr>
-            <a:r>
-              <a:rPr lang="en-GB"/>
-              <a:t>Registration Date	Auto-generated and read-only attribute</a:t>
-            </a:r>
-            <a:endParaRPr/>
-          </a:p>
-          <a:p>
-            <a:pPr indent="0" lvl="0" marL="0" rtl="0" algn="l">
-              <a:spcBef>
-                <a:spcPts val="1200"/>
-              </a:spcBef>
-              <a:spcAft>
-                <a:spcPts val="0"/>
-              </a:spcAft>
-              <a:buNone/>
-            </a:pPr>
-            <a:r>
-              <a:rPr lang="en-GB"/>
-              <a:t>National Insurance Number	Optional, sets "Prospect" status if absent</a:t>
-            </a:r>
-            <a:endParaRPr/>
-          </a:p>
-          <a:p>
-            <a:pPr indent="0" lvl="0" marL="0" rtl="0" algn="l">
-              <a:spcBef>
-                <a:spcPts val="1200"/>
-              </a:spcBef>
-              <a:spcAft>
-                <a:spcPts val="0"/>
-              </a:spcAft>
-              <a:buNone/>
-            </a:pPr>
-            <a:r>
-              <a:rPr lang="en-GB"/>
-              <a:t>Date of Birth	Mandatory with validation</a:t>
-            </a:r>
-            <a:endParaRPr/>
-          </a:p>
-          <a:p>
-            <a:pPr indent="0" lvl="0" marL="0" rtl="0" algn="l">
-              <a:spcBef>
-                <a:spcPts val="1200"/>
-              </a:spcBef>
-              <a:spcAft>
-                <a:spcPts val="0"/>
-              </a:spcAft>
-              <a:buNone/>
-            </a:pPr>
-            <a:r>
-              <a:rPr lang="en-GB"/>
-              <a:t>First Name &amp; Surname	Stored as Evidence, only one active value allowed</a:t>
-            </a:r>
-            <a:endParaRPr/>
-          </a:p>
-          <a:p>
-            <a:pPr indent="0" lvl="0" marL="0" rtl="0" algn="l">
-              <a:spcBef>
-                <a:spcPts val="1200"/>
-              </a:spcBef>
-              <a:spcAft>
-                <a:spcPts val="0"/>
-              </a:spcAft>
-              <a:buNone/>
-            </a:pPr>
-            <a:r>
-              <a:rPr lang="en-GB"/>
-              <a:t>Primary Address	UK postcode format validation, stored as Evidence</a:t>
-            </a:r>
-            <a:endParaRPr/>
-          </a:p>
-          <a:p>
-            <a:pPr indent="0" lvl="0" marL="0" rtl="0" algn="l">
-              <a:spcBef>
-                <a:spcPts val="1200"/>
-              </a:spcBef>
-              <a:spcAft>
-                <a:spcPts val="0"/>
-              </a:spcAft>
-              <a:buNone/>
-            </a:pPr>
-            <a:r>
-              <a:rPr lang="en-GB"/>
-              <a:t>Primary Bank Account	Stored as Evidence, only one active value allowed</a:t>
-            </a:r>
-            <a:endParaRPr/>
-          </a:p>
-          <a:p>
-            <a:pPr indent="0" lvl="0" marL="0" rtl="0" algn="l">
-              <a:spcBef>
-                <a:spcPts val="1200"/>
-              </a:spcBef>
-              <a:spcAft>
-                <a:spcPts val="0"/>
-              </a:spcAft>
-              <a:buNone/>
-            </a:pPr>
-            <a:r>
-              <a:rPr lang="en-GB"/>
-              <a:t>Telephone &amp; Email	Validation for format and uniqueness</a:t>
-            </a:r>
-            <a:endParaRPr/>
-          </a:p>
-          <a:p>
-            <a:pPr indent="0" lvl="0" marL="0" rtl="0" algn="l">
-              <a:spcBef>
-                <a:spcPts val="1200"/>
-              </a:spcBef>
-              <a:spcAft>
-                <a:spcPts val="0"/>
-              </a:spcAft>
-              <a:buNone/>
-            </a:pPr>
-            <a:r>
-              <a:rPr lang="en-GB"/>
-              <a:t>History Tracking	Evidence maintains historical data without overwriting</a:t>
-            </a:r>
-            <a:endParaRPr/>
-          </a:p>
-          <a:p>
-            <a:pPr indent="0" lvl="0" marL="0" rtl="0" algn="l">
-              <a:spcBef>
-                <a:spcPts val="1200"/>
-              </a:spcBef>
-              <a:spcAft>
-                <a:spcPts val="0"/>
-              </a:spcAft>
-              <a:buNone/>
-            </a:pPr>
-            <a:r>
-              <a:t/>
-            </a:r>
-            <a:endParaRPr/>
-          </a:p>
-          <a:p>
-            <a:pPr indent="0" lvl="0" marL="0" rtl="0" algn="l">
-              <a:spcBef>
-                <a:spcPts val="1200"/>
-              </a:spcBef>
-              <a:spcAft>
-                <a:spcPts val="1200"/>
-              </a:spcAft>
-              <a:buNone/>
-            </a:pPr>
-            <a:r>
-              <a:t/>
-            </a:r>
-            <a:endParaRPr/>
-          </a:p>
-        </p:txBody>
-      </p:sp>
+      <p:graphicFrame>
+        <p:nvGraphicFramePr>
+          <p:cNvPr id="217" name="Google Shape;217;p25"/>
+          <p:cNvGraphicFramePr/>
+          <p:nvPr/>
+        </p:nvGraphicFramePr>
+        <p:xfrm>
+          <a:off x="1202475" y="1364675"/>
+          <a:ext cx="3000000" cy="3000000"/>
+        </p:xfrm>
+        <a:graphic>
+          <a:graphicData uri="http://schemas.openxmlformats.org/drawingml/2006/table">
+            <a:tbl>
+              <a:tblPr>
+                <a:noFill/>
+                <a:tableStyleId>{EE2B4BFA-6F07-4E8E-933D-C24BF1D18196}</a:tableStyleId>
+              </a:tblPr>
+              <a:tblGrid>
+                <a:gridCol w="3614475"/>
+                <a:gridCol w="3614475"/>
+              </a:tblGrid>
+              <a:tr h="347725">
+                <a:tc>
+                  <a:txBody>
+                    <a:bodyPr/>
+                    <a:lstStyle/>
+                    <a:p>
+                      <a:pPr indent="0" lvl="0" marL="0" rtl="0" algn="l">
+                        <a:lnSpc>
+                          <a:spcPct val="115000"/>
+                        </a:lnSpc>
+                        <a:spcBef>
+                          <a:spcPts val="0"/>
+                        </a:spcBef>
+                        <a:spcAft>
+                          <a:spcPts val="1200"/>
+                        </a:spcAft>
+                        <a:buNone/>
+                      </a:pPr>
+                      <a:r>
+                        <a:rPr b="1" lang="en-GB" sz="1100">
+                          <a:solidFill>
+                            <a:schemeClr val="lt1"/>
+                          </a:solidFill>
+                          <a:latin typeface="Lato"/>
+                          <a:ea typeface="Lato"/>
+                          <a:cs typeface="Lato"/>
+                          <a:sym typeface="Lato"/>
+                        </a:rPr>
+                        <a:t>Attribute</a:t>
+                      </a:r>
+                      <a:endParaRPr b="1" sz="1100">
+                        <a:solidFill>
+                          <a:schemeClr val="lt1"/>
+                        </a:solidFill>
+                      </a:endParaRPr>
+                    </a:p>
+                  </a:txBody>
+                  <a:tcPr marT="91425" marB="91425" marR="91425" marL="91425"/>
+                </a:tc>
+                <a:tc>
+                  <a:txBody>
+                    <a:bodyPr/>
+                    <a:lstStyle/>
+                    <a:p>
+                      <a:pPr indent="0" lvl="0" marL="0" rtl="0" algn="l">
+                        <a:spcBef>
+                          <a:spcPts val="0"/>
+                        </a:spcBef>
+                        <a:spcAft>
+                          <a:spcPts val="0"/>
+                        </a:spcAft>
+                        <a:buNone/>
+                      </a:pPr>
+                      <a:r>
+                        <a:rPr b="1" lang="en-GB" sz="1100">
+                          <a:solidFill>
+                            <a:schemeClr val="lt1"/>
+                          </a:solidFill>
+                        </a:rPr>
+                        <a:t>Requirement</a:t>
+                      </a:r>
+                      <a:endParaRPr b="1" sz="1100">
+                        <a:solidFill>
+                          <a:schemeClr val="lt1"/>
+                        </a:solidFill>
+                      </a:endParaRPr>
+                    </a:p>
+                  </a:txBody>
+                  <a:tcPr marT="91425" marB="91425" marR="91425" marL="91425"/>
+                </a:tc>
+              </a:tr>
+              <a:tr h="316525">
+                <a:tc>
+                  <a:txBody>
+                    <a:bodyPr/>
+                    <a:lstStyle/>
+                    <a:p>
+                      <a:pPr indent="0" lvl="0" marL="0" rtl="0" algn="l">
+                        <a:lnSpc>
+                          <a:spcPct val="115000"/>
+                        </a:lnSpc>
+                        <a:spcBef>
+                          <a:spcPts val="0"/>
+                        </a:spcBef>
+                        <a:spcAft>
+                          <a:spcPts val="1200"/>
+                        </a:spcAft>
+                        <a:buNone/>
+                      </a:pPr>
+                      <a:r>
+                        <a:rPr lang="en-GB" sz="1000">
+                          <a:solidFill>
+                            <a:schemeClr val="lt1"/>
+                          </a:solidFill>
+                          <a:latin typeface="Lato"/>
+                          <a:ea typeface="Lato"/>
+                          <a:cs typeface="Lato"/>
+                          <a:sym typeface="Lato"/>
+                        </a:rPr>
+                        <a:t>Registration Date</a:t>
+                      </a:r>
+                      <a:endParaRPr sz="1000">
+                        <a:solidFill>
+                          <a:schemeClr val="lt1"/>
+                        </a:solidFill>
+                      </a:endParaRPr>
+                    </a:p>
+                  </a:txBody>
+                  <a:tcPr marT="91425" marB="91425" marR="91425" marL="91425"/>
+                </a:tc>
+                <a:tc>
+                  <a:txBody>
+                    <a:bodyPr/>
+                    <a:lstStyle/>
+                    <a:p>
+                      <a:pPr indent="0" lvl="0" marL="0" rtl="0" algn="l">
+                        <a:lnSpc>
+                          <a:spcPct val="115000"/>
+                        </a:lnSpc>
+                        <a:spcBef>
+                          <a:spcPts val="0"/>
+                        </a:spcBef>
+                        <a:spcAft>
+                          <a:spcPts val="1200"/>
+                        </a:spcAft>
+                        <a:buNone/>
+                      </a:pPr>
+                      <a:r>
+                        <a:rPr lang="en-GB" sz="1000">
+                          <a:solidFill>
+                            <a:schemeClr val="lt1"/>
+                          </a:solidFill>
+                          <a:latin typeface="Lato"/>
+                          <a:ea typeface="Lato"/>
+                          <a:cs typeface="Lato"/>
+                          <a:sym typeface="Lato"/>
+                        </a:rPr>
+                        <a:t>Mandatory, a</a:t>
+                      </a:r>
+                      <a:r>
+                        <a:rPr lang="en-GB" sz="1000">
+                          <a:solidFill>
+                            <a:schemeClr val="lt1"/>
+                          </a:solidFill>
+                          <a:latin typeface="Lato"/>
+                          <a:ea typeface="Lato"/>
+                          <a:cs typeface="Lato"/>
+                          <a:sym typeface="Lato"/>
+                        </a:rPr>
+                        <a:t>uto-generated, read-only</a:t>
+                      </a:r>
+                      <a:endParaRPr sz="1000">
+                        <a:solidFill>
+                          <a:schemeClr val="lt1"/>
+                        </a:solidFill>
+                      </a:endParaRPr>
+                    </a:p>
+                  </a:txBody>
+                  <a:tcPr marT="91425" marB="91425" marR="91425" marL="91425"/>
+                </a:tc>
+              </a:tr>
+              <a:tr h="347725">
+                <a:tc>
+                  <a:txBody>
+                    <a:bodyPr/>
+                    <a:lstStyle/>
+                    <a:p>
+                      <a:pPr indent="0" lvl="0" marL="0" rtl="0" algn="l">
+                        <a:lnSpc>
+                          <a:spcPct val="115000"/>
+                        </a:lnSpc>
+                        <a:spcBef>
+                          <a:spcPts val="0"/>
+                        </a:spcBef>
+                        <a:spcAft>
+                          <a:spcPts val="1200"/>
+                        </a:spcAft>
+                        <a:buNone/>
+                      </a:pPr>
+                      <a:r>
+                        <a:rPr lang="en-GB" sz="1000">
+                          <a:solidFill>
+                            <a:schemeClr val="lt1"/>
+                          </a:solidFill>
+                          <a:latin typeface="Lato"/>
+                          <a:ea typeface="Lato"/>
+                          <a:cs typeface="Lato"/>
+                          <a:sym typeface="Lato"/>
+                        </a:rPr>
+                        <a:t>National Insurance Number</a:t>
+                      </a:r>
+                      <a:endParaRPr sz="1000">
+                        <a:solidFill>
+                          <a:schemeClr val="lt1"/>
+                        </a:solidFill>
+                      </a:endParaRPr>
+                    </a:p>
+                  </a:txBody>
+                  <a:tcPr marT="91425" marB="91425" marR="91425" marL="91425"/>
+                </a:tc>
+                <a:tc>
+                  <a:txBody>
+                    <a:bodyPr/>
+                    <a:lstStyle/>
+                    <a:p>
+                      <a:pPr indent="0" lvl="0" marL="0" rtl="0" algn="l">
+                        <a:lnSpc>
+                          <a:spcPct val="115000"/>
+                        </a:lnSpc>
+                        <a:spcBef>
+                          <a:spcPts val="0"/>
+                        </a:spcBef>
+                        <a:spcAft>
+                          <a:spcPts val="1200"/>
+                        </a:spcAft>
+                        <a:buNone/>
+                      </a:pPr>
+                      <a:r>
+                        <a:rPr lang="en-GB" sz="1000">
+                          <a:solidFill>
+                            <a:schemeClr val="lt1"/>
+                          </a:solidFill>
+                          <a:latin typeface="Lato"/>
+                          <a:ea typeface="Lato"/>
+                          <a:cs typeface="Lato"/>
+                          <a:sym typeface="Lato"/>
+                        </a:rPr>
+                        <a:t>Optional, validated, set as "Prospect" if absent, editable</a:t>
+                      </a:r>
+                      <a:endParaRPr sz="1000">
+                        <a:solidFill>
+                          <a:schemeClr val="lt1"/>
+                        </a:solidFill>
+                      </a:endParaRPr>
+                    </a:p>
+                  </a:txBody>
+                  <a:tcPr marT="91425" marB="91425" marR="91425" marL="91425"/>
+                </a:tc>
+              </a:tr>
+              <a:tr h="316525">
+                <a:tc>
+                  <a:txBody>
+                    <a:bodyPr/>
+                    <a:lstStyle/>
+                    <a:p>
+                      <a:pPr indent="0" lvl="0" marL="0" rtl="0" algn="l">
+                        <a:lnSpc>
+                          <a:spcPct val="115000"/>
+                        </a:lnSpc>
+                        <a:spcBef>
+                          <a:spcPts val="0"/>
+                        </a:spcBef>
+                        <a:spcAft>
+                          <a:spcPts val="1200"/>
+                        </a:spcAft>
+                        <a:buNone/>
+                      </a:pPr>
+                      <a:r>
+                        <a:rPr lang="en-GB" sz="1000">
+                          <a:solidFill>
+                            <a:schemeClr val="lt1"/>
+                          </a:solidFill>
+                          <a:latin typeface="Lato"/>
+                          <a:ea typeface="Lato"/>
+                          <a:cs typeface="Lato"/>
+                          <a:sym typeface="Lato"/>
+                        </a:rPr>
+                        <a:t>Date of Birth</a:t>
+                      </a:r>
+                      <a:endParaRPr sz="1000">
+                        <a:solidFill>
+                          <a:schemeClr val="lt1"/>
+                        </a:solidFill>
+                      </a:endParaRPr>
+                    </a:p>
+                  </a:txBody>
+                  <a:tcPr marT="91425" marB="91425" marR="91425" marL="91425"/>
+                </a:tc>
+                <a:tc>
+                  <a:txBody>
+                    <a:bodyPr/>
+                    <a:lstStyle/>
+                    <a:p>
+                      <a:pPr indent="0" lvl="0" marL="0" rtl="0" algn="l">
+                        <a:lnSpc>
+                          <a:spcPct val="115000"/>
+                        </a:lnSpc>
+                        <a:spcBef>
+                          <a:spcPts val="0"/>
+                        </a:spcBef>
+                        <a:spcAft>
+                          <a:spcPts val="1200"/>
+                        </a:spcAft>
+                        <a:buNone/>
+                      </a:pPr>
+                      <a:r>
+                        <a:rPr lang="en-GB" sz="1000">
+                          <a:solidFill>
+                            <a:schemeClr val="lt1"/>
+                          </a:solidFill>
+                          <a:latin typeface="Lato"/>
+                          <a:ea typeface="Lato"/>
+                          <a:cs typeface="Lato"/>
+                          <a:sym typeface="Lato"/>
+                        </a:rPr>
+                        <a:t>Mandatory, validated, editable</a:t>
+                      </a:r>
+                      <a:endParaRPr sz="1000">
+                        <a:solidFill>
+                          <a:schemeClr val="lt1"/>
+                        </a:solidFill>
+                      </a:endParaRPr>
+                    </a:p>
+                  </a:txBody>
+                  <a:tcPr marT="91425" marB="91425" marR="91425" marL="91425"/>
+                </a:tc>
+              </a:tr>
+              <a:tr h="316525">
+                <a:tc>
+                  <a:txBody>
+                    <a:bodyPr/>
+                    <a:lstStyle/>
+                    <a:p>
+                      <a:pPr indent="0" lvl="0" marL="0" rtl="0" algn="l">
+                        <a:lnSpc>
+                          <a:spcPct val="115000"/>
+                        </a:lnSpc>
+                        <a:spcBef>
+                          <a:spcPts val="0"/>
+                        </a:spcBef>
+                        <a:spcAft>
+                          <a:spcPts val="1200"/>
+                        </a:spcAft>
+                        <a:buNone/>
+                      </a:pPr>
+                      <a:r>
+                        <a:rPr lang="en-GB" sz="1000">
+                          <a:solidFill>
+                            <a:schemeClr val="lt1"/>
+                          </a:solidFill>
+                          <a:latin typeface="Lato"/>
+                          <a:ea typeface="Lato"/>
+                          <a:cs typeface="Lato"/>
+                          <a:sym typeface="Lato"/>
+                        </a:rPr>
+                        <a:t>First Name &amp; Surname</a:t>
+                      </a:r>
+                      <a:endParaRPr sz="1000">
+                        <a:solidFill>
+                          <a:schemeClr val="lt1"/>
+                        </a:solidFill>
+                      </a:endParaRPr>
+                    </a:p>
+                  </a:txBody>
+                  <a:tcPr marT="91425" marB="91425" marR="91425" marL="91425"/>
+                </a:tc>
+                <a:tc>
+                  <a:txBody>
+                    <a:bodyPr/>
+                    <a:lstStyle/>
+                    <a:p>
+                      <a:pPr indent="0" lvl="0" marL="0" rtl="0" algn="l">
+                        <a:lnSpc>
+                          <a:spcPct val="115000"/>
+                        </a:lnSpc>
+                        <a:spcBef>
+                          <a:spcPts val="0"/>
+                        </a:spcBef>
+                        <a:spcAft>
+                          <a:spcPts val="1200"/>
+                        </a:spcAft>
+                        <a:buNone/>
+                      </a:pPr>
+                      <a:r>
+                        <a:rPr lang="en-GB" sz="1000">
+                          <a:solidFill>
+                            <a:schemeClr val="lt1"/>
+                          </a:solidFill>
+                          <a:latin typeface="Lato"/>
+                          <a:ea typeface="Lato"/>
+                          <a:cs typeface="Lato"/>
+                          <a:sym typeface="Lato"/>
+                        </a:rPr>
+                        <a:t>Mandatory, validated, active values are editable, historical data tracked</a:t>
+                      </a:r>
+                      <a:endParaRPr sz="1000">
+                        <a:solidFill>
+                          <a:schemeClr val="lt1"/>
+                        </a:solidFill>
+                      </a:endParaRPr>
+                    </a:p>
+                  </a:txBody>
+                  <a:tcPr marT="91425" marB="91425" marR="91425" marL="91425"/>
+                </a:tc>
+              </a:tr>
+              <a:tr h="316525">
+                <a:tc>
+                  <a:txBody>
+                    <a:bodyPr/>
+                    <a:lstStyle/>
+                    <a:p>
+                      <a:pPr indent="0" lvl="0" marL="0" rtl="0" algn="l">
+                        <a:lnSpc>
+                          <a:spcPct val="115000"/>
+                        </a:lnSpc>
+                        <a:spcBef>
+                          <a:spcPts val="0"/>
+                        </a:spcBef>
+                        <a:spcAft>
+                          <a:spcPts val="1200"/>
+                        </a:spcAft>
+                        <a:buNone/>
+                      </a:pPr>
+                      <a:r>
+                        <a:rPr lang="en-GB" sz="1000">
+                          <a:solidFill>
+                            <a:schemeClr val="lt1"/>
+                          </a:solidFill>
+                          <a:latin typeface="Lato"/>
+                          <a:ea typeface="Lato"/>
+                          <a:cs typeface="Lato"/>
+                          <a:sym typeface="Lato"/>
+                        </a:rPr>
+                        <a:t>Primary Address</a:t>
+                      </a:r>
+                      <a:endParaRPr sz="1000">
+                        <a:solidFill>
+                          <a:schemeClr val="lt1"/>
+                        </a:solidFill>
+                      </a:endParaRPr>
+                    </a:p>
+                  </a:txBody>
+                  <a:tcPr marT="91425" marB="91425" marR="91425" marL="91425"/>
+                </a:tc>
+                <a:tc>
+                  <a:txBody>
+                    <a:bodyPr/>
+                    <a:lstStyle/>
+                    <a:p>
+                      <a:pPr indent="0" lvl="0" marL="0" rtl="0" algn="l">
+                        <a:lnSpc>
+                          <a:spcPct val="115000"/>
+                        </a:lnSpc>
+                        <a:spcBef>
+                          <a:spcPts val="0"/>
+                        </a:spcBef>
+                        <a:spcAft>
+                          <a:spcPts val="1200"/>
+                        </a:spcAft>
+                        <a:buNone/>
+                      </a:pPr>
+                      <a:r>
+                        <a:rPr lang="en-GB" sz="1000">
+                          <a:solidFill>
+                            <a:schemeClr val="lt1"/>
+                          </a:solidFill>
+                          <a:latin typeface="Lato"/>
+                          <a:ea typeface="Lato"/>
+                          <a:cs typeface="Lato"/>
+                          <a:sym typeface="Lato"/>
+                        </a:rPr>
+                        <a:t>Mandatory, validated (UK post code format), active value is editable, historical data tracked</a:t>
+                      </a:r>
+                      <a:endParaRPr sz="1000">
+                        <a:solidFill>
+                          <a:schemeClr val="lt1"/>
+                        </a:solidFill>
+                        <a:latin typeface="Lato"/>
+                        <a:ea typeface="Lato"/>
+                        <a:cs typeface="Lato"/>
+                        <a:sym typeface="Lato"/>
+                      </a:endParaRPr>
+                    </a:p>
+                  </a:txBody>
+                  <a:tcPr marT="91425" marB="91425" marR="91425" marL="91425"/>
+                </a:tc>
+              </a:tr>
+              <a:tr h="316525">
+                <a:tc>
+                  <a:txBody>
+                    <a:bodyPr/>
+                    <a:lstStyle/>
+                    <a:p>
+                      <a:pPr indent="0" lvl="0" marL="0" rtl="0" algn="l">
+                        <a:lnSpc>
+                          <a:spcPct val="115000"/>
+                        </a:lnSpc>
+                        <a:spcBef>
+                          <a:spcPts val="0"/>
+                        </a:spcBef>
+                        <a:spcAft>
+                          <a:spcPts val="1200"/>
+                        </a:spcAft>
+                        <a:buNone/>
+                      </a:pPr>
+                      <a:r>
+                        <a:rPr lang="en-GB" sz="1000">
+                          <a:solidFill>
+                            <a:schemeClr val="lt1"/>
+                          </a:solidFill>
+                          <a:latin typeface="Lato"/>
+                          <a:ea typeface="Lato"/>
+                          <a:cs typeface="Lato"/>
+                          <a:sym typeface="Lato"/>
+                        </a:rPr>
+                        <a:t>Primary Bank Account</a:t>
+                      </a:r>
+                      <a:endParaRPr sz="1000">
+                        <a:solidFill>
+                          <a:schemeClr val="lt1"/>
+                        </a:solidFill>
+                      </a:endParaRPr>
+                    </a:p>
+                  </a:txBody>
+                  <a:tcPr marT="91425" marB="91425" marR="91425" marL="91425"/>
+                </a:tc>
+                <a:tc>
+                  <a:txBody>
+                    <a:bodyPr/>
+                    <a:lstStyle/>
+                    <a:p>
+                      <a:pPr indent="0" lvl="0" marL="0" rtl="0" algn="l">
+                        <a:lnSpc>
+                          <a:spcPct val="115000"/>
+                        </a:lnSpc>
+                        <a:spcBef>
+                          <a:spcPts val="0"/>
+                        </a:spcBef>
+                        <a:spcAft>
+                          <a:spcPts val="1200"/>
+                        </a:spcAft>
+                        <a:buNone/>
+                      </a:pPr>
+                      <a:r>
+                        <a:rPr lang="en-GB" sz="1000">
+                          <a:solidFill>
+                            <a:schemeClr val="lt1"/>
+                          </a:solidFill>
+                          <a:latin typeface="Lato"/>
+                          <a:ea typeface="Lato"/>
+                          <a:cs typeface="Lato"/>
+                          <a:sym typeface="Lato"/>
+                        </a:rPr>
+                        <a:t>Mandatory, validated, active value is editable, historical data tracked</a:t>
+                      </a:r>
+                      <a:endParaRPr sz="1000">
+                        <a:solidFill>
+                          <a:schemeClr val="lt1"/>
+                        </a:solidFill>
+                        <a:latin typeface="Lato"/>
+                        <a:ea typeface="Lato"/>
+                        <a:cs typeface="Lato"/>
+                        <a:sym typeface="Lato"/>
+                      </a:endParaRPr>
+                    </a:p>
+                  </a:txBody>
+                  <a:tcPr marT="91425" marB="91425" marR="91425" marL="91425"/>
+                </a:tc>
+              </a:tr>
+              <a:tr h="316525">
+                <a:tc>
+                  <a:txBody>
+                    <a:bodyPr/>
+                    <a:lstStyle/>
+                    <a:p>
+                      <a:pPr indent="0" lvl="0" marL="0" rtl="0" algn="l">
+                        <a:lnSpc>
+                          <a:spcPct val="115000"/>
+                        </a:lnSpc>
+                        <a:spcBef>
+                          <a:spcPts val="0"/>
+                        </a:spcBef>
+                        <a:spcAft>
+                          <a:spcPts val="1200"/>
+                        </a:spcAft>
+                        <a:buNone/>
+                      </a:pPr>
+                      <a:r>
+                        <a:rPr lang="en-GB" sz="1000">
+                          <a:solidFill>
+                            <a:schemeClr val="lt1"/>
+                          </a:solidFill>
+                          <a:latin typeface="Lato"/>
+                          <a:ea typeface="Lato"/>
+                          <a:cs typeface="Lato"/>
+                          <a:sym typeface="Lato"/>
+                        </a:rPr>
+                        <a:t>Telephone</a:t>
+                      </a:r>
+                      <a:endParaRPr sz="1000">
+                        <a:solidFill>
+                          <a:schemeClr val="lt1"/>
+                        </a:solidFill>
+                      </a:endParaRPr>
+                    </a:p>
+                  </a:txBody>
+                  <a:tcPr marT="91425" marB="91425" marR="91425" marL="91425"/>
+                </a:tc>
+                <a:tc>
+                  <a:txBody>
+                    <a:bodyPr/>
+                    <a:lstStyle/>
+                    <a:p>
+                      <a:pPr indent="0" lvl="0" marL="0" rtl="0" algn="l">
+                        <a:lnSpc>
+                          <a:spcPct val="115000"/>
+                        </a:lnSpc>
+                        <a:spcBef>
+                          <a:spcPts val="0"/>
+                        </a:spcBef>
+                        <a:spcAft>
+                          <a:spcPts val="1200"/>
+                        </a:spcAft>
+                        <a:buNone/>
+                      </a:pPr>
+                      <a:r>
+                        <a:rPr lang="en-GB" sz="1000">
+                          <a:solidFill>
+                            <a:schemeClr val="lt1"/>
+                          </a:solidFill>
+                          <a:latin typeface="Lato"/>
+                          <a:ea typeface="Lato"/>
+                          <a:cs typeface="Lato"/>
+                          <a:sym typeface="Lato"/>
+                        </a:rPr>
+                        <a:t>Optional, validated (numbers only), editable</a:t>
+                      </a:r>
+                      <a:endParaRPr sz="1000">
+                        <a:solidFill>
+                          <a:schemeClr val="lt1"/>
+                        </a:solidFill>
+                        <a:latin typeface="Lato"/>
+                        <a:ea typeface="Lato"/>
+                        <a:cs typeface="Lato"/>
+                        <a:sym typeface="Lato"/>
+                      </a:endParaRPr>
+                    </a:p>
+                  </a:txBody>
+                  <a:tcPr marT="91425" marB="91425" marR="91425" marL="91425"/>
+                </a:tc>
+              </a:tr>
+              <a:tr h="316525">
+                <a:tc>
+                  <a:txBody>
+                    <a:bodyPr/>
+                    <a:lstStyle/>
+                    <a:p>
+                      <a:pPr indent="0" lvl="0" marL="0" rtl="0" algn="l">
+                        <a:lnSpc>
+                          <a:spcPct val="115000"/>
+                        </a:lnSpc>
+                        <a:spcBef>
+                          <a:spcPts val="0"/>
+                        </a:spcBef>
+                        <a:spcAft>
+                          <a:spcPts val="1200"/>
+                        </a:spcAft>
+                        <a:buNone/>
+                      </a:pPr>
+                      <a:r>
+                        <a:rPr lang="en-GB" sz="1000">
+                          <a:solidFill>
+                            <a:schemeClr val="lt1"/>
+                          </a:solidFill>
+                          <a:latin typeface="Lato"/>
+                          <a:ea typeface="Lato"/>
+                          <a:cs typeface="Lato"/>
+                          <a:sym typeface="Lato"/>
+                        </a:rPr>
+                        <a:t>Email</a:t>
+                      </a:r>
+                      <a:endParaRPr sz="1000">
+                        <a:solidFill>
+                          <a:schemeClr val="lt1"/>
+                        </a:solidFill>
+                        <a:latin typeface="Lato"/>
+                        <a:ea typeface="Lato"/>
+                        <a:cs typeface="Lato"/>
+                        <a:sym typeface="Lato"/>
+                      </a:endParaRPr>
+                    </a:p>
+                  </a:txBody>
+                  <a:tcPr marT="91425" marB="91425" marR="91425" marL="91425"/>
+                </a:tc>
+                <a:tc>
+                  <a:txBody>
+                    <a:bodyPr/>
+                    <a:lstStyle/>
+                    <a:p>
+                      <a:pPr indent="0" lvl="0" marL="0" rtl="0" algn="l">
+                        <a:lnSpc>
+                          <a:spcPct val="115000"/>
+                        </a:lnSpc>
+                        <a:spcBef>
+                          <a:spcPts val="0"/>
+                        </a:spcBef>
+                        <a:spcAft>
+                          <a:spcPts val="1200"/>
+                        </a:spcAft>
+                        <a:buNone/>
+                      </a:pPr>
+                      <a:r>
+                        <a:rPr lang="en-GB" sz="1000">
+                          <a:solidFill>
+                            <a:schemeClr val="lt1"/>
+                          </a:solidFill>
+                          <a:latin typeface="Lato"/>
+                          <a:ea typeface="Lato"/>
+                          <a:cs typeface="Lato"/>
+                          <a:sym typeface="Lato"/>
+                        </a:rPr>
+                        <a:t>Optional, validated (email format), editable</a:t>
+                      </a:r>
+                      <a:endParaRPr sz="1000">
+                        <a:solidFill>
+                          <a:schemeClr val="lt1"/>
+                        </a:solidFill>
+                        <a:latin typeface="Lato"/>
+                        <a:ea typeface="Lato"/>
+                        <a:cs typeface="Lato"/>
+                        <a:sym typeface="Lato"/>
+                      </a:endParaRPr>
+                    </a:p>
+                  </a:txBody>
+                  <a:tcPr marT="91425" marB="91425" marR="91425" marL="91425"/>
+                </a:tc>
+              </a:tr>
+            </a:tbl>
+          </a:graphicData>
+        </a:graphic>
+      </p:graphicFrame>
     </p:spTree>
   </p:cSld>
   <p:clrMapOvr>
@@ -11765,12 +12499,12 @@
 </p:sld>
 </file>
 
-<file path=ppt/slides/slide13.xml><?xml version="1.0" encoding="utf-8"?>
+<file path=ppt/slides/slide14.xml><?xml version="1.0" encoding="utf-8"?>
 <p:sld xmlns:a="http://schemas.openxmlformats.org/drawingml/2006/main" xmlns:r="http://schemas.openxmlformats.org/officeDocument/2006/relationships" xmlns:mc="http://schemas.openxmlformats.org/markup-compatibility/2006" xmlns:mv="urn:schemas-microsoft-com:mac:vml" xmlns:p="http://schemas.openxmlformats.org/presentationml/2006/main" xmlns:c="http://schemas.openxmlformats.org/drawingml/2006/chart" xmlns:dgm="http://schemas.openxmlformats.org/drawingml/2006/diagram" xmlns:o="urn:schemas-microsoft-com:office:office" xmlns:v="urn:schemas-microsoft-com:vml" xmlns:pvml="urn:schemas-microsoft-com:office:powerpoint" xmlns:com="http://schemas.openxmlformats.org/drawingml/2006/compatibility" xmlns:p14="http://schemas.microsoft.com/office/powerpoint/2010/main" xmlns:p15="http://schemas.microsoft.com/office/powerpoint/2012/main" xmlns:ahyp="http://schemas.microsoft.com/office/drawing/2018/hyperlinkcolor">
   <p:cSld>
     <p:spTree>
       <p:nvGrpSpPr>
-        <p:cNvPr id="214" name="Shape 214"/>
+        <p:cNvPr id="221" name="Shape 221"/>
         <p:cNvGrpSpPr/>
         <p:nvPr/>
       </p:nvGrpSpPr>
@@ -11784,7 +12518,7 @@
       </p:grpSpPr>
       <p:sp>
         <p:nvSpPr>
-          <p:cNvPr id="215" name="Google Shape;215;p25"/>
+          <p:cNvPr id="222" name="Google Shape;222;p26"/>
           <p:cNvSpPr txBox="1"/>
           <p:nvPr>
             <p:ph type="title"/>
@@ -11824,7 +12558,7 @@
       </p:sp>
       <p:sp>
         <p:nvSpPr>
-          <p:cNvPr id="216" name="Google Shape;216;p25"/>
+          <p:cNvPr id="223" name="Google Shape;223;p26"/>
           <p:cNvSpPr txBox="1"/>
           <p:nvPr>
             <p:ph idx="1" type="body"/>
@@ -12083,7 +12817,7 @@
                 <a:cs typeface="Arial"/>
                 <a:sym typeface="Arial"/>
               </a:rPr>
-              <a:t>Validation</a:t>
+              <a:t>Data Validation</a:t>
             </a:r>
             <a:endParaRPr b="1" sz="1100">
               <a:latin typeface="Arial"/>
@@ -12114,27 +12848,7 @@
                 <a:cs typeface="Arial"/>
                 <a:sym typeface="Arial"/>
               </a:rPr>
-              <a:t>Custom validators for format and uniqueness</a:t>
-            </a:r>
-            <a:endParaRPr>
-              <a:latin typeface="Arial"/>
-              <a:ea typeface="Arial"/>
-              <a:cs typeface="Arial"/>
-              <a:sym typeface="Arial"/>
-            </a:endParaRPr>
-          </a:p>
-          <a:p>
-            <a:pPr indent="0" lvl="0" marL="0" rtl="0" algn="l">
-              <a:spcBef>
-                <a:spcPts val="1200"/>
-              </a:spcBef>
-              <a:spcAft>
-                <a:spcPts val="1200"/>
-              </a:spcAft>
-              <a:buNone/>
-            </a:pPr>
-            <a:r>
-              <a:t/>
+              <a:t>Custom validation for format (using regex) and uniqueness</a:t>
             </a:r>
             <a:endParaRPr/>
           </a:p>
@@ -12148,12 +12862,12 @@
 </p:sld>
 </file>
 
-<file path=ppt/slides/slide14.xml><?xml version="1.0" encoding="utf-8"?>
+<file path=ppt/slides/slide15.xml><?xml version="1.0" encoding="utf-8"?>
 <p:sld xmlns:a="http://schemas.openxmlformats.org/drawingml/2006/main" xmlns:r="http://schemas.openxmlformats.org/officeDocument/2006/relationships" xmlns:mc="http://schemas.openxmlformats.org/markup-compatibility/2006" xmlns:mv="urn:schemas-microsoft-com:mac:vml" xmlns:p="http://schemas.openxmlformats.org/presentationml/2006/main" xmlns:c="http://schemas.openxmlformats.org/drawingml/2006/chart" xmlns:dgm="http://schemas.openxmlformats.org/drawingml/2006/diagram" xmlns:o="urn:schemas-microsoft-com:office:office" xmlns:v="urn:schemas-microsoft-com:vml" xmlns:pvml="urn:schemas-microsoft-com:office:powerpoint" xmlns:com="http://schemas.openxmlformats.org/drawingml/2006/compatibility" xmlns:p14="http://schemas.microsoft.com/office/powerpoint/2010/main" xmlns:p15="http://schemas.microsoft.com/office/powerpoint/2012/main" xmlns:ahyp="http://schemas.microsoft.com/office/drawing/2018/hyperlinkcolor">
   <p:cSld>
     <p:spTree>
       <p:nvGrpSpPr>
-        <p:cNvPr id="220" name="Shape 220"/>
+        <p:cNvPr id="227" name="Shape 227"/>
         <p:cNvGrpSpPr/>
         <p:nvPr/>
       </p:nvGrpSpPr>
@@ -12167,7 +12881,7 @@
       </p:grpSpPr>
       <p:sp>
         <p:nvSpPr>
-          <p:cNvPr id="221" name="Google Shape;221;p26"/>
+          <p:cNvPr id="228" name="Google Shape;228;p27"/>
           <p:cNvSpPr txBox="1"/>
           <p:nvPr>
             <p:ph type="title"/>
@@ -12207,7 +12921,7 @@
       </p:sp>
       <p:sp>
         <p:nvSpPr>
-          <p:cNvPr id="222" name="Google Shape;222;p26"/>
+          <p:cNvPr id="229" name="Google Shape;229;p27"/>
           <p:cNvSpPr txBox="1"/>
           <p:nvPr>
             <p:ph idx="1" type="body"/>
@@ -12255,14 +12969,25 @@
               </a:rPr>
               <a:t>:</a:t>
             </a:r>
-            <a:br>
-              <a:rPr lang="en-GB" sz="1100">
-                <a:latin typeface="Arial"/>
-                <a:ea typeface="Arial"/>
-                <a:cs typeface="Arial"/>
-                <a:sym typeface="Arial"/>
-              </a:rPr>
-            </a:br>
+            <a:endParaRPr sz="1100">
+              <a:latin typeface="Arial"/>
+              <a:ea typeface="Arial"/>
+              <a:cs typeface="Arial"/>
+              <a:sym typeface="Arial"/>
+            </a:endParaRPr>
+          </a:p>
+          <a:p>
+            <a:pPr indent="-298450" lvl="0" marL="457200" rtl="0" algn="l">
+              <a:spcBef>
+                <a:spcPts val="1200"/>
+              </a:spcBef>
+              <a:spcAft>
+                <a:spcPts val="0"/>
+              </a:spcAft>
+              <a:buSzPts val="1100"/>
+              <a:buFont typeface="Arial"/>
+              <a:buChar char="●"/>
+            </a:pPr>
             <a:r>
               <a:rPr lang="en-GB" sz="1100">
                 <a:latin typeface="Arial"/>
@@ -12270,16 +12995,27 @@
                 <a:cs typeface="Arial"/>
                 <a:sym typeface="Arial"/>
               </a:rPr>
-              <a:t> Individual test cases for each method</a:t>
+              <a:t>Individual tests for each method</a:t>
             </a:r>
-            <a:br>
-              <a:rPr lang="en-GB" sz="1100">
-                <a:latin typeface="Arial"/>
-                <a:ea typeface="Arial"/>
-                <a:cs typeface="Arial"/>
-                <a:sym typeface="Arial"/>
-              </a:rPr>
-            </a:br>
+            <a:endParaRPr sz="1100">
+              <a:latin typeface="Arial"/>
+              <a:ea typeface="Arial"/>
+              <a:cs typeface="Arial"/>
+              <a:sym typeface="Arial"/>
+            </a:endParaRPr>
+          </a:p>
+          <a:p>
+            <a:pPr indent="-298450" lvl="0" marL="457200" rtl="0" algn="l">
+              <a:spcBef>
+                <a:spcPts val="0"/>
+              </a:spcBef>
+              <a:spcAft>
+                <a:spcPts val="0"/>
+              </a:spcAft>
+              <a:buSzPts val="1100"/>
+              <a:buFont typeface="Arial"/>
+              <a:buChar char="●"/>
+            </a:pPr>
             <a:r>
               <a:rPr lang="en-GB" sz="1100">
                 <a:latin typeface="Arial"/>
@@ -12287,16 +13023,27 @@
                 <a:cs typeface="Arial"/>
                 <a:sym typeface="Arial"/>
               </a:rPr>
-              <a:t> Edge cases tested (e.g., invalid email format)</a:t>
+              <a:t>Edge cases (e.g., invalid email)</a:t>
             </a:r>
-            <a:br>
-              <a:rPr lang="en-GB" sz="1100">
-                <a:latin typeface="Arial"/>
-                <a:ea typeface="Arial"/>
-                <a:cs typeface="Arial"/>
-                <a:sym typeface="Arial"/>
-              </a:rPr>
-            </a:br>
+            <a:endParaRPr sz="1100">
+              <a:latin typeface="Arial"/>
+              <a:ea typeface="Arial"/>
+              <a:cs typeface="Arial"/>
+              <a:sym typeface="Arial"/>
+            </a:endParaRPr>
+          </a:p>
+          <a:p>
+            <a:pPr indent="-298450" lvl="0" marL="457200" rtl="0" algn="l">
+              <a:spcBef>
+                <a:spcPts val="0"/>
+              </a:spcBef>
+              <a:spcAft>
+                <a:spcPts val="0"/>
+              </a:spcAft>
+              <a:buSzPts val="1100"/>
+              <a:buFont typeface="Arial"/>
+              <a:buChar char="●"/>
+            </a:pPr>
             <a:r>
               <a:rPr lang="en-GB" sz="1100">
                 <a:latin typeface="Arial"/>
@@ -12304,7 +13051,7 @@
                 <a:cs typeface="Arial"/>
                 <a:sym typeface="Arial"/>
               </a:rPr>
-              <a:t> Ensured no overwriting of historical data</a:t>
+              <a:t>Prevent overwriting of historical data</a:t>
             </a:r>
             <a:endParaRPr sz="1100">
               <a:latin typeface="Arial"/>
@@ -12317,6 +13064,164 @@
             <a:pPr indent="0" lvl="0" marL="0" rtl="0" algn="l">
               <a:spcBef>
                 <a:spcPts val="1200"/>
+              </a:spcBef>
+              <a:spcAft>
+                <a:spcPts val="0"/>
+              </a:spcAft>
+              <a:buNone/>
+            </a:pPr>
+            <a:r>
+              <a:rPr b="1" lang="en-GB" sz="1100">
+                <a:latin typeface="Arial"/>
+                <a:ea typeface="Arial"/>
+                <a:cs typeface="Arial"/>
+                <a:sym typeface="Arial"/>
+              </a:rPr>
+              <a:t>Test Coverage</a:t>
+            </a:r>
+            <a:endParaRPr b="1" sz="1100">
+              <a:latin typeface="Arial"/>
+              <a:ea typeface="Arial"/>
+              <a:cs typeface="Arial"/>
+              <a:sym typeface="Arial"/>
+            </a:endParaRPr>
+          </a:p>
+          <a:p>
+            <a:pPr indent="-298450" lvl="0" marL="457200" rtl="0" algn="l">
+              <a:spcBef>
+                <a:spcPts val="0"/>
+              </a:spcBef>
+              <a:spcAft>
+                <a:spcPts val="0"/>
+              </a:spcAft>
+              <a:buSzPts val="1100"/>
+              <a:buFont typeface="Arial"/>
+              <a:buChar char="●"/>
+            </a:pPr>
+            <a:r>
+              <a:rPr lang="en-GB" sz="1100">
+                <a:latin typeface="Arial"/>
+                <a:ea typeface="Arial"/>
+                <a:cs typeface="Arial"/>
+                <a:sym typeface="Arial"/>
+              </a:rPr>
+              <a:t>Constructor Tests</a:t>
+            </a:r>
+            <a:endParaRPr sz="1100">
+              <a:latin typeface="Arial"/>
+              <a:ea typeface="Arial"/>
+              <a:cs typeface="Arial"/>
+              <a:sym typeface="Arial"/>
+            </a:endParaRPr>
+          </a:p>
+          <a:p>
+            <a:pPr indent="-298450" lvl="0" marL="457200" rtl="0" algn="l">
+              <a:spcBef>
+                <a:spcPts val="0"/>
+              </a:spcBef>
+              <a:spcAft>
+                <a:spcPts val="0"/>
+              </a:spcAft>
+              <a:buSzPts val="1100"/>
+              <a:buFont typeface="Arial"/>
+              <a:buChar char="●"/>
+            </a:pPr>
+            <a:r>
+              <a:rPr lang="en-GB" sz="1100">
+                <a:latin typeface="Arial"/>
+                <a:ea typeface="Arial"/>
+                <a:cs typeface="Arial"/>
+                <a:sym typeface="Arial"/>
+              </a:rPr>
+              <a:t>Getter/Setter Tests</a:t>
+            </a:r>
+            <a:endParaRPr sz="1100">
+              <a:latin typeface="Arial"/>
+              <a:ea typeface="Arial"/>
+              <a:cs typeface="Arial"/>
+              <a:sym typeface="Arial"/>
+            </a:endParaRPr>
+          </a:p>
+          <a:p>
+            <a:pPr indent="-298450" lvl="0" marL="457200" rtl="0" algn="l">
+              <a:spcBef>
+                <a:spcPts val="0"/>
+              </a:spcBef>
+              <a:spcAft>
+                <a:spcPts val="0"/>
+              </a:spcAft>
+              <a:buSzPts val="1100"/>
+              <a:buFont typeface="Arial"/>
+              <a:buChar char="●"/>
+            </a:pPr>
+            <a:r>
+              <a:rPr lang="en-GB" sz="1100">
+                <a:latin typeface="Arial"/>
+                <a:ea typeface="Arial"/>
+                <a:cs typeface="Arial"/>
+                <a:sym typeface="Arial"/>
+              </a:rPr>
+              <a:t>Business Logic Tests</a:t>
+            </a:r>
+            <a:endParaRPr sz="1100">
+              <a:latin typeface="Arial"/>
+              <a:ea typeface="Arial"/>
+              <a:cs typeface="Arial"/>
+              <a:sym typeface="Arial"/>
+            </a:endParaRPr>
+          </a:p>
+          <a:p>
+            <a:pPr indent="-298450" lvl="0" marL="457200" rtl="0" algn="l">
+              <a:spcBef>
+                <a:spcPts val="0"/>
+              </a:spcBef>
+              <a:spcAft>
+                <a:spcPts val="0"/>
+              </a:spcAft>
+              <a:buSzPts val="1100"/>
+              <a:buFont typeface="Arial"/>
+              <a:buChar char="●"/>
+            </a:pPr>
+            <a:r>
+              <a:rPr lang="en-GB" sz="1100">
+                <a:latin typeface="Arial"/>
+                <a:ea typeface="Arial"/>
+                <a:cs typeface="Arial"/>
+                <a:sym typeface="Arial"/>
+              </a:rPr>
+              <a:t>Edge Cases (Invalid Inputs)</a:t>
+            </a:r>
+            <a:endParaRPr sz="1100">
+              <a:latin typeface="Arial"/>
+              <a:ea typeface="Arial"/>
+              <a:cs typeface="Arial"/>
+              <a:sym typeface="Arial"/>
+            </a:endParaRPr>
+          </a:p>
+          <a:p>
+            <a:pPr indent="0" lvl="0" marL="0" rtl="0" algn="l">
+              <a:spcBef>
+                <a:spcPts val="0"/>
+              </a:spcBef>
+              <a:spcAft>
+                <a:spcPts val="0"/>
+              </a:spcAft>
+              <a:buNone/>
+            </a:pPr>
+            <a:r>
+              <a:t/>
+            </a:r>
+            <a:endParaRPr sz="1100">
+              <a:latin typeface="Arial"/>
+              <a:ea typeface="Arial"/>
+              <a:cs typeface="Arial"/>
+              <a:sym typeface="Arial"/>
+            </a:endParaRPr>
+          </a:p>
+          <a:p>
+            <a:pPr indent="0" lvl="0" marL="0" rtl="0" algn="l">
+              <a:spcBef>
+                <a:spcPts val="0"/>
               </a:spcBef>
               <a:spcAft>
                 <a:spcPts val="0"/>
@@ -12425,120 +13330,6 @@
               </a:rPr>
               <a:t>Test NINO-based prospect status handling</a:t>
             </a:r>
-            <a:endParaRPr sz="1100">
-              <a:latin typeface="Arial"/>
-              <a:ea typeface="Arial"/>
-              <a:cs typeface="Arial"/>
-              <a:sym typeface="Arial"/>
-            </a:endParaRPr>
-          </a:p>
-          <a:p>
-            <a:pPr indent="0" lvl="0" marL="0" rtl="0" algn="l">
-              <a:spcBef>
-                <a:spcPts val="1200"/>
-              </a:spcBef>
-              <a:spcAft>
-                <a:spcPts val="0"/>
-              </a:spcAft>
-              <a:buNone/>
-            </a:pPr>
-            <a:r>
-              <a:rPr b="1" lang="en-GB" sz="1100">
-                <a:latin typeface="Arial"/>
-                <a:ea typeface="Arial"/>
-                <a:cs typeface="Arial"/>
-                <a:sym typeface="Arial"/>
-              </a:rPr>
-              <a:t>Test Coverage</a:t>
-            </a:r>
-            <a:br>
-              <a:rPr b="1" lang="en-GB" sz="1100">
-                <a:latin typeface="Arial"/>
-                <a:ea typeface="Arial"/>
-                <a:cs typeface="Arial"/>
-                <a:sym typeface="Arial"/>
-              </a:rPr>
-            </a:br>
-            <a:r>
-              <a:rPr lang="en-GB" sz="1100">
-                <a:latin typeface="Arial"/>
-                <a:ea typeface="Arial"/>
-                <a:cs typeface="Arial"/>
-                <a:sym typeface="Arial"/>
-              </a:rPr>
-              <a:t> Constructor Tests</a:t>
-            </a:r>
-            <a:br>
-              <a:rPr lang="en-GB" sz="1100">
-                <a:latin typeface="Arial"/>
-                <a:ea typeface="Arial"/>
-                <a:cs typeface="Arial"/>
-                <a:sym typeface="Arial"/>
-              </a:rPr>
-            </a:br>
-            <a:r>
-              <a:rPr lang="en-GB" sz="1100">
-                <a:latin typeface="Arial"/>
-                <a:ea typeface="Arial"/>
-                <a:cs typeface="Arial"/>
-                <a:sym typeface="Arial"/>
-              </a:rPr>
-              <a:t> Getter/Setter Tests</a:t>
-            </a:r>
-            <a:br>
-              <a:rPr lang="en-GB" sz="1100">
-                <a:latin typeface="Arial"/>
-                <a:ea typeface="Arial"/>
-                <a:cs typeface="Arial"/>
-                <a:sym typeface="Arial"/>
-              </a:rPr>
-            </a:br>
-            <a:r>
-              <a:rPr lang="en-GB" sz="1100">
-                <a:latin typeface="Arial"/>
-                <a:ea typeface="Arial"/>
-                <a:cs typeface="Arial"/>
-                <a:sym typeface="Arial"/>
-              </a:rPr>
-              <a:t> Business Logic Tests</a:t>
-            </a:r>
-            <a:br>
-              <a:rPr lang="en-GB" sz="1100">
-                <a:latin typeface="Arial"/>
-                <a:ea typeface="Arial"/>
-                <a:cs typeface="Arial"/>
-                <a:sym typeface="Arial"/>
-              </a:rPr>
-            </a:br>
-            <a:r>
-              <a:rPr lang="en-GB" sz="1100">
-                <a:latin typeface="Arial"/>
-                <a:ea typeface="Arial"/>
-                <a:cs typeface="Arial"/>
-                <a:sym typeface="Arial"/>
-              </a:rPr>
-              <a:t> Edge Cases (Invalid Inputs)</a:t>
-            </a:r>
-            <a:endParaRPr sz="1100">
-              <a:latin typeface="Arial"/>
-              <a:ea typeface="Arial"/>
-              <a:cs typeface="Arial"/>
-              <a:sym typeface="Arial"/>
-            </a:endParaRPr>
-          </a:p>
-          <a:p>
-            <a:pPr indent="0" lvl="0" marL="0" rtl="0" algn="l">
-              <a:spcBef>
-                <a:spcPts val="0"/>
-              </a:spcBef>
-              <a:spcAft>
-                <a:spcPts val="1200"/>
-              </a:spcAft>
-              <a:buNone/>
-            </a:pPr>
-            <a:r>
-              <a:t/>
-            </a:r>
             <a:endParaRPr/>
           </a:p>
         </p:txBody>
@@ -12551,12 +13342,12 @@
 </p:sld>
 </file>
 
-<file path=ppt/slides/slide15.xml><?xml version="1.0" encoding="utf-8"?>
+<file path=ppt/slides/slide16.xml><?xml version="1.0" encoding="utf-8"?>
 <p:sld xmlns:a="http://schemas.openxmlformats.org/drawingml/2006/main" xmlns:r="http://schemas.openxmlformats.org/officeDocument/2006/relationships" xmlns:mc="http://schemas.openxmlformats.org/markup-compatibility/2006" xmlns:mv="urn:schemas-microsoft-com:mac:vml" xmlns:p="http://schemas.openxmlformats.org/presentationml/2006/main" xmlns:c="http://schemas.openxmlformats.org/drawingml/2006/chart" xmlns:dgm="http://schemas.openxmlformats.org/drawingml/2006/diagram" xmlns:o="urn:schemas-microsoft-com:office:office" xmlns:v="urn:schemas-microsoft-com:vml" xmlns:pvml="urn:schemas-microsoft-com:office:powerpoint" xmlns:com="http://schemas.openxmlformats.org/drawingml/2006/compatibility" xmlns:p14="http://schemas.microsoft.com/office/powerpoint/2010/main" xmlns:p15="http://schemas.microsoft.com/office/powerpoint/2012/main" xmlns:ahyp="http://schemas.microsoft.com/office/drawing/2018/hyperlinkcolor">
   <p:cSld>
     <p:spTree>
       <p:nvGrpSpPr>
-        <p:cNvPr id="226" name="Shape 226"/>
+        <p:cNvPr id="233" name="Shape 233"/>
         <p:cNvGrpSpPr/>
         <p:nvPr/>
       </p:nvGrpSpPr>
@@ -12570,7 +13361,7 @@
       </p:grpSpPr>
       <p:sp>
         <p:nvSpPr>
-          <p:cNvPr id="227" name="Google Shape;227;p27"/>
+          <p:cNvPr id="234" name="Google Shape;234;p28"/>
           <p:cNvSpPr txBox="1"/>
           <p:nvPr>
             <p:ph type="title"/>
@@ -12602,7 +13393,128 @@
             </a:pPr>
             <a:r>
               <a:rPr lang="en-GB"/>
-              <a:t>Test Case Example</a:t>
+              <a:t>Use Case Example</a:t>
+            </a:r>
+            <a:endParaRPr/>
+          </a:p>
+        </p:txBody>
+      </p:sp>
+      <p:pic>
+        <p:nvPicPr>
+          <p:cNvPr id="235" name="Google Shape;235;p28"/>
+          <p:cNvPicPr preferRelativeResize="0"/>
+          <p:nvPr/>
+        </p:nvPicPr>
+        <p:blipFill>
+          <a:blip r:embed="rId3">
+            <a:alphaModFix/>
+          </a:blip>
+          <a:stretch>
+            <a:fillRect/>
+          </a:stretch>
+        </p:blipFill>
+        <p:spPr>
+          <a:xfrm>
+            <a:off x="2748950" y="1143907"/>
+            <a:ext cx="4136000" cy="2655193"/>
+          </a:xfrm>
+          <a:prstGeom prst="rect">
+            <a:avLst/>
+          </a:prstGeom>
+          <a:noFill/>
+          <a:ln>
+            <a:noFill/>
+          </a:ln>
+        </p:spPr>
+      </p:pic>
+      <p:pic>
+        <p:nvPicPr>
+          <p:cNvPr id="236" name="Google Shape;236;p28"/>
+          <p:cNvPicPr preferRelativeResize="0"/>
+          <p:nvPr/>
+        </p:nvPicPr>
+        <p:blipFill>
+          <a:blip r:embed="rId4">
+            <a:alphaModFix/>
+          </a:blip>
+          <a:stretch>
+            <a:fillRect/>
+          </a:stretch>
+        </p:blipFill>
+        <p:spPr>
+          <a:xfrm>
+            <a:off x="2748949" y="3890149"/>
+            <a:ext cx="4136001" cy="991275"/>
+          </a:xfrm>
+          <a:prstGeom prst="rect">
+            <a:avLst/>
+          </a:prstGeom>
+          <a:noFill/>
+          <a:ln>
+            <a:noFill/>
+          </a:ln>
+        </p:spPr>
+      </p:pic>
+    </p:spTree>
+  </p:cSld>
+  <p:clrMapOvr>
+    <a:masterClrMapping/>
+  </p:clrMapOvr>
+</p:sld>
+</file>
+
+<file path=ppt/slides/slide17.xml><?xml version="1.0" encoding="utf-8"?>
+<p:sld xmlns:a="http://schemas.openxmlformats.org/drawingml/2006/main" xmlns:r="http://schemas.openxmlformats.org/officeDocument/2006/relationships" xmlns:mc="http://schemas.openxmlformats.org/markup-compatibility/2006" xmlns:mv="urn:schemas-microsoft-com:mac:vml" xmlns:p="http://schemas.openxmlformats.org/presentationml/2006/main" xmlns:c="http://schemas.openxmlformats.org/drawingml/2006/chart" xmlns:dgm="http://schemas.openxmlformats.org/drawingml/2006/diagram" xmlns:o="urn:schemas-microsoft-com:office:office" xmlns:v="urn:schemas-microsoft-com:vml" xmlns:pvml="urn:schemas-microsoft-com:office:powerpoint" xmlns:com="http://schemas.openxmlformats.org/drawingml/2006/compatibility" xmlns:p14="http://schemas.microsoft.com/office/powerpoint/2010/main" xmlns:p15="http://schemas.microsoft.com/office/powerpoint/2012/main" xmlns:ahyp="http://schemas.microsoft.com/office/drawing/2018/hyperlinkcolor">
+  <p:cSld>
+    <p:spTree>
+      <p:nvGrpSpPr>
+        <p:cNvPr id="240" name="Shape 240"/>
+        <p:cNvGrpSpPr/>
+        <p:nvPr/>
+      </p:nvGrpSpPr>
+      <p:grpSpPr>
+        <a:xfrm>
+          <a:off x="0" y="0"/>
+          <a:ext cx="0" cy="0"/>
+          <a:chOff x="0" y="0"/>
+          <a:chExt cx="0" cy="0"/>
+        </a:xfrm>
+      </p:grpSpPr>
+      <p:sp>
+        <p:nvSpPr>
+          <p:cNvPr id="241" name="Google Shape;241;p29"/>
+          <p:cNvSpPr txBox="1"/>
+          <p:nvPr>
+            <p:ph type="title"/>
+          </p:nvPr>
+        </p:nvSpPr>
+        <p:spPr>
+          <a:xfrm>
+            <a:off x="1297500" y="393750"/>
+            <a:ext cx="7038900" cy="914100"/>
+          </a:xfrm>
+          <a:prstGeom prst="rect">
+            <a:avLst/>
+          </a:prstGeom>
+        </p:spPr>
+        <p:txBody>
+          <a:bodyPr anchorCtr="0" anchor="t" bIns="91425" lIns="91425" spcFirstLastPara="1" rIns="91425" wrap="square" tIns="91425">
+            <a:normAutofit/>
+          </a:bodyPr>
+          <a:lstStyle/>
+          <a:p>
+            <a:pPr indent="0" lvl="0" marL="0" rtl="0" algn="l">
+              <a:spcBef>
+                <a:spcPts val="0"/>
+              </a:spcBef>
+              <a:spcAft>
+                <a:spcPts val="0"/>
+              </a:spcAft>
+              <a:buNone/>
+            </a:pPr>
+            <a:r>
+              <a:rPr lang="en-GB"/>
+              <a:t>JUnit Test: EvidenceTest</a:t>
             </a:r>
             <a:endParaRPr/>
           </a:p>
@@ -12610,7 +13522,7 @@
       </p:sp>
       <p:sp>
         <p:nvSpPr>
-          <p:cNvPr id="228" name="Google Shape;228;p27"/>
+          <p:cNvPr id="242" name="Google Shape;242;p29"/>
           <p:cNvSpPr txBox="1"/>
           <p:nvPr>
             <p:ph idx="1" type="body"/>
@@ -12649,167 +13561,7 @@
       </p:sp>
       <p:pic>
         <p:nvPicPr>
-          <p:cNvPr id="229" name="Google Shape;229;p27"/>
-          <p:cNvPicPr preferRelativeResize="0"/>
-          <p:nvPr/>
-        </p:nvPicPr>
-        <p:blipFill>
-          <a:blip r:embed="rId3">
-            <a:alphaModFix/>
-          </a:blip>
-          <a:stretch>
-            <a:fillRect/>
-          </a:stretch>
-        </p:blipFill>
-        <p:spPr>
-          <a:xfrm>
-            <a:off x="1297500" y="1153057"/>
-            <a:ext cx="4136000" cy="2655193"/>
-          </a:xfrm>
-          <a:prstGeom prst="rect">
-            <a:avLst/>
-          </a:prstGeom>
-          <a:noFill/>
-          <a:ln>
-            <a:noFill/>
-          </a:ln>
-        </p:spPr>
-      </p:pic>
-      <p:pic>
-        <p:nvPicPr>
-          <p:cNvPr id="230" name="Google Shape;230;p27"/>
-          <p:cNvPicPr preferRelativeResize="0"/>
-          <p:nvPr/>
-        </p:nvPicPr>
-        <p:blipFill>
-          <a:blip r:embed="rId4">
-            <a:alphaModFix/>
-          </a:blip>
-          <a:stretch>
-            <a:fillRect/>
-          </a:stretch>
-        </p:blipFill>
-        <p:spPr>
-          <a:xfrm>
-            <a:off x="1297499" y="3899299"/>
-            <a:ext cx="4136001" cy="991275"/>
-          </a:xfrm>
-          <a:prstGeom prst="rect">
-            <a:avLst/>
-          </a:prstGeom>
-          <a:noFill/>
-          <a:ln>
-            <a:noFill/>
-          </a:ln>
-        </p:spPr>
-      </p:pic>
-    </p:spTree>
-  </p:cSld>
-  <p:clrMapOvr>
-    <a:masterClrMapping/>
-  </p:clrMapOvr>
-</p:sld>
-</file>
-
-<file path=ppt/slides/slide16.xml><?xml version="1.0" encoding="utf-8"?>
-<p:sld xmlns:a="http://schemas.openxmlformats.org/drawingml/2006/main" xmlns:r="http://schemas.openxmlformats.org/officeDocument/2006/relationships" xmlns:mc="http://schemas.openxmlformats.org/markup-compatibility/2006" xmlns:mv="urn:schemas-microsoft-com:mac:vml" xmlns:p="http://schemas.openxmlformats.org/presentationml/2006/main" xmlns:c="http://schemas.openxmlformats.org/drawingml/2006/chart" xmlns:dgm="http://schemas.openxmlformats.org/drawingml/2006/diagram" xmlns:o="urn:schemas-microsoft-com:office:office" xmlns:v="urn:schemas-microsoft-com:vml" xmlns:pvml="urn:schemas-microsoft-com:office:powerpoint" xmlns:com="http://schemas.openxmlformats.org/drawingml/2006/compatibility" xmlns:p14="http://schemas.microsoft.com/office/powerpoint/2010/main" xmlns:p15="http://schemas.microsoft.com/office/powerpoint/2012/main" xmlns:ahyp="http://schemas.microsoft.com/office/drawing/2018/hyperlinkcolor">
-  <p:cSld>
-    <p:spTree>
-      <p:nvGrpSpPr>
-        <p:cNvPr id="234" name="Shape 234"/>
-        <p:cNvGrpSpPr/>
-        <p:nvPr/>
-      </p:nvGrpSpPr>
-      <p:grpSpPr>
-        <a:xfrm>
-          <a:off x="0" y="0"/>
-          <a:ext cx="0" cy="0"/>
-          <a:chOff x="0" y="0"/>
-          <a:chExt cx="0" cy="0"/>
-        </a:xfrm>
-      </p:grpSpPr>
-      <p:sp>
-        <p:nvSpPr>
-          <p:cNvPr id="235" name="Google Shape;235;p28"/>
-          <p:cNvSpPr txBox="1"/>
-          <p:nvPr>
-            <p:ph type="title"/>
-          </p:nvPr>
-        </p:nvSpPr>
-        <p:spPr>
-          <a:xfrm>
-            <a:off x="1297500" y="393750"/>
-            <a:ext cx="7038900" cy="914100"/>
-          </a:xfrm>
-          <a:prstGeom prst="rect">
-            <a:avLst/>
-          </a:prstGeom>
-        </p:spPr>
-        <p:txBody>
-          <a:bodyPr anchorCtr="0" anchor="t" bIns="91425" lIns="91425" spcFirstLastPara="1" rIns="91425" wrap="square" tIns="91425">
-            <a:normAutofit/>
-          </a:bodyPr>
-          <a:lstStyle/>
-          <a:p>
-            <a:pPr indent="0" lvl="0" marL="0" rtl="0" algn="l">
-              <a:spcBef>
-                <a:spcPts val="0"/>
-              </a:spcBef>
-              <a:spcAft>
-                <a:spcPts val="0"/>
-              </a:spcAft>
-              <a:buNone/>
-            </a:pPr>
-            <a:r>
-              <a:rPr lang="en-GB"/>
-              <a:t>Evidence JUnit Test</a:t>
-            </a:r>
-            <a:endParaRPr/>
-          </a:p>
-        </p:txBody>
-      </p:sp>
-      <p:sp>
-        <p:nvSpPr>
-          <p:cNvPr id="236" name="Google Shape;236;p28"/>
-          <p:cNvSpPr txBox="1"/>
-          <p:nvPr>
-            <p:ph idx="1" type="body"/>
-          </p:nvPr>
-        </p:nvSpPr>
-        <p:spPr>
-          <a:xfrm>
-            <a:off x="1297500" y="1567550"/>
-            <a:ext cx="7038900" cy="2911200"/>
-          </a:xfrm>
-          <a:prstGeom prst="rect">
-            <a:avLst/>
-          </a:prstGeom>
-        </p:spPr>
-        <p:txBody>
-          <a:bodyPr anchorCtr="0" anchor="t" bIns="91425" lIns="91425" spcFirstLastPara="1" rIns="91425" wrap="square" tIns="91425">
-            <a:normAutofit/>
-          </a:bodyPr>
-          <a:lstStyle/>
-          <a:p>
-            <a:pPr indent="0" lvl="0" marL="0" rtl="0" algn="l">
-              <a:spcBef>
-                <a:spcPts val="0"/>
-              </a:spcBef>
-              <a:spcAft>
-                <a:spcPts val="1200"/>
-              </a:spcAft>
-              <a:buNone/>
-            </a:pPr>
-            <a:r>
-              <a:t/>
-            </a:r>
-            <a:endParaRPr/>
-          </a:p>
-        </p:txBody>
-      </p:sp>
-      <p:pic>
-        <p:nvPicPr>
-          <p:cNvPr id="237" name="Google Shape;237;p28"/>
+          <p:cNvPr id="243" name="Google Shape;243;p29"/>
           <p:cNvPicPr preferRelativeResize="0"/>
           <p:nvPr/>
         </p:nvPicPr>
@@ -12843,12 +13595,12 @@
 </p:sld>
 </file>
 
-<file path=ppt/slides/slide17.xml><?xml version="1.0" encoding="utf-8"?>
+<file path=ppt/slides/slide18.xml><?xml version="1.0" encoding="utf-8"?>
 <p:sld xmlns:a="http://schemas.openxmlformats.org/drawingml/2006/main" xmlns:r="http://schemas.openxmlformats.org/officeDocument/2006/relationships" xmlns:mc="http://schemas.openxmlformats.org/markup-compatibility/2006" xmlns:mv="urn:schemas-microsoft-com:mac:vml" xmlns:p="http://schemas.openxmlformats.org/presentationml/2006/main" xmlns:c="http://schemas.openxmlformats.org/drawingml/2006/chart" xmlns:dgm="http://schemas.openxmlformats.org/drawingml/2006/diagram" xmlns:o="urn:schemas-microsoft-com:office:office" xmlns:v="urn:schemas-microsoft-com:vml" xmlns:pvml="urn:schemas-microsoft-com:office:powerpoint" xmlns:com="http://schemas.openxmlformats.org/drawingml/2006/compatibility" xmlns:p14="http://schemas.microsoft.com/office/powerpoint/2010/main" xmlns:p15="http://schemas.microsoft.com/office/powerpoint/2012/main" xmlns:ahyp="http://schemas.microsoft.com/office/drawing/2018/hyperlinkcolor">
   <p:cSld>
     <p:spTree>
       <p:nvGrpSpPr>
-        <p:cNvPr id="241" name="Shape 241"/>
+        <p:cNvPr id="247" name="Shape 247"/>
         <p:cNvGrpSpPr/>
         <p:nvPr/>
       </p:nvGrpSpPr>
@@ -12862,7 +13614,7 @@
       </p:grpSpPr>
       <p:sp>
         <p:nvSpPr>
-          <p:cNvPr id="242" name="Google Shape;242;p29"/>
+          <p:cNvPr id="248" name="Google Shape;248;p30"/>
           <p:cNvSpPr txBox="1"/>
           <p:nvPr>
             <p:ph type="title"/>
@@ -12894,7 +13646,7 @@
             </a:pPr>
             <a:r>
               <a:rPr lang="en-GB"/>
-              <a:t>JUnit Tests</a:t>
+              <a:t>JUnit Test Results: EvidenceTest</a:t>
             </a:r>
             <a:endParaRPr/>
           </a:p>
@@ -12902,7 +13654,7 @@
       </p:sp>
       <p:sp>
         <p:nvSpPr>
-          <p:cNvPr id="243" name="Google Shape;243;p29"/>
+          <p:cNvPr id="249" name="Google Shape;249;p30"/>
           <p:cNvSpPr txBox="1"/>
           <p:nvPr>
             <p:ph idx="1" type="body"/>
@@ -12941,7 +13693,7 @@
       </p:sp>
       <p:pic>
         <p:nvPicPr>
-          <p:cNvPr id="244" name="Google Shape;244;p29"/>
+          <p:cNvPr id="250" name="Google Shape;250;p30"/>
           <p:cNvPicPr preferRelativeResize="0"/>
           <p:nvPr/>
         </p:nvPicPr>
@@ -12975,12 +13727,12 @@
 </p:sld>
 </file>
 
-<file path=ppt/slides/slide18.xml><?xml version="1.0" encoding="utf-8"?>
+<file path=ppt/slides/slide19.xml><?xml version="1.0" encoding="utf-8"?>
 <p:sld xmlns:a="http://schemas.openxmlformats.org/drawingml/2006/main" xmlns:r="http://schemas.openxmlformats.org/officeDocument/2006/relationships" xmlns:mc="http://schemas.openxmlformats.org/markup-compatibility/2006" xmlns:mv="urn:schemas-microsoft-com:mac:vml" xmlns:p="http://schemas.openxmlformats.org/presentationml/2006/main" xmlns:c="http://schemas.openxmlformats.org/drawingml/2006/chart" xmlns:dgm="http://schemas.openxmlformats.org/drawingml/2006/diagram" xmlns:o="urn:schemas-microsoft-com:office:office" xmlns:v="urn:schemas-microsoft-com:vml" xmlns:pvml="urn:schemas-microsoft-com:office:powerpoint" xmlns:com="http://schemas.openxmlformats.org/drawingml/2006/compatibility" xmlns:p14="http://schemas.microsoft.com/office/powerpoint/2010/main" xmlns:p15="http://schemas.microsoft.com/office/powerpoint/2012/main" xmlns:ahyp="http://schemas.microsoft.com/office/drawing/2018/hyperlinkcolor">
   <p:cSld>
     <p:spTree>
       <p:nvGrpSpPr>
-        <p:cNvPr id="248" name="Shape 248"/>
+        <p:cNvPr id="254" name="Shape 254"/>
         <p:cNvGrpSpPr/>
         <p:nvPr/>
       </p:nvGrpSpPr>
@@ -12994,7 +13746,7 @@
       </p:grpSpPr>
       <p:sp>
         <p:nvSpPr>
-          <p:cNvPr id="249" name="Google Shape;249;p30"/>
+          <p:cNvPr id="255" name="Google Shape;255;p31"/>
           <p:cNvSpPr txBox="1"/>
           <p:nvPr>
             <p:ph type="title"/>
@@ -13011,7 +13763,7 @@
         </p:spPr>
         <p:txBody>
           <a:bodyPr anchorCtr="0" anchor="t" bIns="91425" lIns="91425" spcFirstLastPara="1" rIns="91425" wrap="square" tIns="91425">
-            <a:normAutofit/>
+            <a:normAutofit fontScale="90000"/>
           </a:bodyPr>
           <a:lstStyle/>
           <a:p>
@@ -13026,7 +13778,15 @@
             </a:pPr>
             <a:r>
               <a:rPr lang="en-GB"/>
-              <a:t>JUnit Tests</a:t>
+              <a:t>JUnit Test </a:t>
+            </a:r>
+            <a:r>
+              <a:rPr lang="en-GB"/>
+              <a:t>Results</a:t>
+            </a:r>
+            <a:r>
+              <a:rPr lang="en-GB"/>
+              <a:t>: NationalInsuranceNumberTest</a:t>
             </a:r>
             <a:endParaRPr/>
           </a:p>
@@ -13034,7 +13794,7 @@
       </p:sp>
       <p:sp>
         <p:nvSpPr>
-          <p:cNvPr id="250" name="Google Shape;250;p30"/>
+          <p:cNvPr id="256" name="Google Shape;256;p31"/>
           <p:cNvSpPr txBox="1"/>
           <p:nvPr>
             <p:ph idx="1" type="body"/>
@@ -13073,7 +13833,7 @@
       </p:sp>
       <p:pic>
         <p:nvPicPr>
-          <p:cNvPr id="251" name="Google Shape;251;p30"/>
+          <p:cNvPr id="257" name="Google Shape;257;p31"/>
           <p:cNvPicPr preferRelativeResize="0"/>
           <p:nvPr/>
         </p:nvPicPr>
@@ -13089,138 +13849,6 @@
           <a:xfrm>
             <a:off x="1297499" y="1567550"/>
             <a:ext cx="7038901" cy="2371167"/>
-          </a:xfrm>
-          <a:prstGeom prst="rect">
-            <a:avLst/>
-          </a:prstGeom>
-          <a:noFill/>
-          <a:ln>
-            <a:noFill/>
-          </a:ln>
-        </p:spPr>
-      </p:pic>
-    </p:spTree>
-  </p:cSld>
-  <p:clrMapOvr>
-    <a:masterClrMapping/>
-  </p:clrMapOvr>
-</p:sld>
-</file>
-
-<file path=ppt/slides/slide19.xml><?xml version="1.0" encoding="utf-8"?>
-<p:sld xmlns:a="http://schemas.openxmlformats.org/drawingml/2006/main" xmlns:r="http://schemas.openxmlformats.org/officeDocument/2006/relationships" xmlns:mc="http://schemas.openxmlformats.org/markup-compatibility/2006" xmlns:mv="urn:schemas-microsoft-com:mac:vml" xmlns:p="http://schemas.openxmlformats.org/presentationml/2006/main" xmlns:c="http://schemas.openxmlformats.org/drawingml/2006/chart" xmlns:dgm="http://schemas.openxmlformats.org/drawingml/2006/diagram" xmlns:o="urn:schemas-microsoft-com:office:office" xmlns:v="urn:schemas-microsoft-com:vml" xmlns:pvml="urn:schemas-microsoft-com:office:powerpoint" xmlns:com="http://schemas.openxmlformats.org/drawingml/2006/compatibility" xmlns:p14="http://schemas.microsoft.com/office/powerpoint/2010/main" xmlns:p15="http://schemas.microsoft.com/office/powerpoint/2012/main" xmlns:ahyp="http://schemas.microsoft.com/office/drawing/2018/hyperlinkcolor">
-  <p:cSld>
-    <p:spTree>
-      <p:nvGrpSpPr>
-        <p:cNvPr id="255" name="Shape 255"/>
-        <p:cNvGrpSpPr/>
-        <p:nvPr/>
-      </p:nvGrpSpPr>
-      <p:grpSpPr>
-        <a:xfrm>
-          <a:off x="0" y="0"/>
-          <a:ext cx="0" cy="0"/>
-          <a:chOff x="0" y="0"/>
-          <a:chExt cx="0" cy="0"/>
-        </a:xfrm>
-      </p:grpSpPr>
-      <p:sp>
-        <p:nvSpPr>
-          <p:cNvPr id="256" name="Google Shape;256;p31"/>
-          <p:cNvSpPr txBox="1"/>
-          <p:nvPr>
-            <p:ph type="title"/>
-          </p:nvPr>
-        </p:nvSpPr>
-        <p:spPr>
-          <a:xfrm>
-            <a:off x="1297500" y="393750"/>
-            <a:ext cx="7038900" cy="914100"/>
-          </a:xfrm>
-          <a:prstGeom prst="rect">
-            <a:avLst/>
-          </a:prstGeom>
-        </p:spPr>
-        <p:txBody>
-          <a:bodyPr anchorCtr="0" anchor="t" bIns="91425" lIns="91425" spcFirstLastPara="1" rIns="91425" wrap="square" tIns="91425">
-            <a:normAutofit/>
-          </a:bodyPr>
-          <a:lstStyle/>
-          <a:p>
-            <a:pPr indent="0" lvl="0" marL="0" rtl="0" algn="l">
-              <a:spcBef>
-                <a:spcPts val="0"/>
-              </a:spcBef>
-              <a:spcAft>
-                <a:spcPts val="0"/>
-              </a:spcAft>
-              <a:buNone/>
-            </a:pPr>
-            <a:r>
-              <a:rPr lang="en-GB"/>
-              <a:t>JUnit Tests</a:t>
-            </a:r>
-            <a:endParaRPr/>
-          </a:p>
-        </p:txBody>
-      </p:sp>
-      <p:sp>
-        <p:nvSpPr>
-          <p:cNvPr id="257" name="Google Shape;257;p31"/>
-          <p:cNvSpPr txBox="1"/>
-          <p:nvPr>
-            <p:ph idx="1" type="body"/>
-          </p:nvPr>
-        </p:nvSpPr>
-        <p:spPr>
-          <a:xfrm>
-            <a:off x="1297500" y="1567550"/>
-            <a:ext cx="7038900" cy="2911200"/>
-          </a:xfrm>
-          <a:prstGeom prst="rect">
-            <a:avLst/>
-          </a:prstGeom>
-        </p:spPr>
-        <p:txBody>
-          <a:bodyPr anchorCtr="0" anchor="t" bIns="91425" lIns="91425" spcFirstLastPara="1" rIns="91425" wrap="square" tIns="91425">
-            <a:normAutofit/>
-          </a:bodyPr>
-          <a:lstStyle/>
-          <a:p>
-            <a:pPr indent="0" lvl="0" marL="0" rtl="0" algn="l">
-              <a:spcBef>
-                <a:spcPts val="0"/>
-              </a:spcBef>
-              <a:spcAft>
-                <a:spcPts val="1200"/>
-              </a:spcAft>
-              <a:buNone/>
-            </a:pPr>
-            <a:r>
-              <a:t/>
-            </a:r>
-            <a:endParaRPr/>
-          </a:p>
-        </p:txBody>
-      </p:sp>
-      <p:pic>
-        <p:nvPicPr>
-          <p:cNvPr id="258" name="Google Shape;258;p31"/>
-          <p:cNvPicPr preferRelativeResize="0"/>
-          <p:nvPr/>
-        </p:nvPicPr>
-        <p:blipFill>
-          <a:blip r:embed="rId3">
-            <a:alphaModFix/>
-          </a:blip>
-          <a:stretch>
-            <a:fillRect/>
-          </a:stretch>
-        </p:blipFill>
-        <p:spPr>
-          <a:xfrm>
-            <a:off x="1411850" y="1348375"/>
-            <a:ext cx="6810199" cy="3349550"/>
           </a:xfrm>
           <a:prstGeom prst="rect">
             <a:avLst/>
@@ -13335,7 +13963,163 @@
                 <a:cs typeface="Arial"/>
                 <a:sym typeface="Arial"/>
               </a:rPr>
-              <a:t>Objective: To design a Participant Data Storage model following OOP principles</a:t>
+              <a:t>A </a:t>
+            </a:r>
+            <a:r>
+              <a:rPr lang="en-GB" sz="1100">
+                <a:latin typeface="Arial"/>
+                <a:ea typeface="Arial"/>
+                <a:cs typeface="Arial"/>
+                <a:sym typeface="Arial"/>
+              </a:rPr>
+              <a:t>software system for benefit applications</a:t>
+            </a:r>
+            <a:r>
+              <a:rPr lang="en-GB" sz="1100">
+                <a:latin typeface="Arial"/>
+                <a:ea typeface="Arial"/>
+                <a:cs typeface="Arial"/>
+                <a:sym typeface="Arial"/>
+              </a:rPr>
+              <a:t> has</a:t>
+            </a:r>
+            <a:r>
+              <a:rPr lang="en-GB" sz="1100">
+                <a:latin typeface="Arial"/>
+                <a:ea typeface="Arial"/>
+                <a:cs typeface="Arial"/>
+                <a:sym typeface="Arial"/>
+              </a:rPr>
+              <a:t> a t</a:t>
+            </a:r>
+            <a:r>
+              <a:rPr lang="en-GB" sz="1100">
+                <a:latin typeface="Arial"/>
+                <a:ea typeface="Arial"/>
+                <a:cs typeface="Arial"/>
+                <a:sym typeface="Arial"/>
+              </a:rPr>
+              <a:t>hree-layer architecture:</a:t>
+            </a:r>
+            <a:endParaRPr sz="1100">
+              <a:latin typeface="Arial"/>
+              <a:ea typeface="Arial"/>
+              <a:cs typeface="Arial"/>
+              <a:sym typeface="Arial"/>
+            </a:endParaRPr>
+          </a:p>
+          <a:p>
+            <a:pPr indent="-298450" lvl="0" marL="457200" rtl="0" algn="l">
+              <a:spcBef>
+                <a:spcPts val="1200"/>
+              </a:spcBef>
+              <a:spcAft>
+                <a:spcPts val="0"/>
+              </a:spcAft>
+              <a:buClr>
+                <a:schemeClr val="lt1"/>
+              </a:buClr>
+              <a:buSzPts val="1100"/>
+              <a:buFont typeface="Arial"/>
+              <a:buChar char="●"/>
+            </a:pPr>
+            <a:r>
+              <a:rPr b="1" lang="en-GB" sz="1100">
+                <a:latin typeface="Arial"/>
+                <a:ea typeface="Arial"/>
+                <a:cs typeface="Arial"/>
+                <a:sym typeface="Arial"/>
+              </a:rPr>
+              <a:t>Presentation Layer</a:t>
+            </a:r>
+            <a:r>
+              <a:rPr lang="en-GB" sz="1100">
+                <a:latin typeface="Arial"/>
+                <a:ea typeface="Arial"/>
+                <a:cs typeface="Arial"/>
+                <a:sym typeface="Arial"/>
+              </a:rPr>
+              <a:t>: Web UI using JavaScript, HTML and CSS</a:t>
+            </a:r>
+            <a:endParaRPr sz="1100">
+              <a:latin typeface="Arial"/>
+              <a:ea typeface="Arial"/>
+              <a:cs typeface="Arial"/>
+              <a:sym typeface="Arial"/>
+            </a:endParaRPr>
+          </a:p>
+          <a:p>
+            <a:pPr indent="-298450" lvl="0" marL="457200" rtl="0" algn="l">
+              <a:spcBef>
+                <a:spcPts val="0"/>
+              </a:spcBef>
+              <a:spcAft>
+                <a:spcPts val="0"/>
+              </a:spcAft>
+              <a:buClr>
+                <a:schemeClr val="lt1"/>
+              </a:buClr>
+              <a:buSzPts val="1100"/>
+              <a:buFont typeface="Arial"/>
+              <a:buChar char="●"/>
+            </a:pPr>
+            <a:r>
+              <a:rPr b="1" lang="en-GB" sz="1100">
+                <a:latin typeface="Arial"/>
+                <a:ea typeface="Arial"/>
+                <a:cs typeface="Arial"/>
+                <a:sym typeface="Arial"/>
+              </a:rPr>
+              <a:t>Business Layer</a:t>
+            </a:r>
+            <a:r>
+              <a:rPr lang="en-GB" sz="1100">
+                <a:latin typeface="Arial"/>
+                <a:ea typeface="Arial"/>
+                <a:cs typeface="Arial"/>
+                <a:sym typeface="Arial"/>
+              </a:rPr>
+              <a:t>: Java code for data validation and business logic</a:t>
+            </a:r>
+            <a:endParaRPr sz="1100">
+              <a:latin typeface="Arial"/>
+              <a:ea typeface="Arial"/>
+              <a:cs typeface="Arial"/>
+              <a:sym typeface="Arial"/>
+            </a:endParaRPr>
+          </a:p>
+          <a:p>
+            <a:pPr indent="-298450" lvl="0" marL="457200" rtl="0" algn="l">
+              <a:spcBef>
+                <a:spcPts val="0"/>
+              </a:spcBef>
+              <a:spcAft>
+                <a:spcPts val="0"/>
+              </a:spcAft>
+              <a:buClr>
+                <a:schemeClr val="lt1"/>
+              </a:buClr>
+              <a:buSzPts val="1100"/>
+              <a:buFont typeface="Arial"/>
+              <a:buChar char="●"/>
+            </a:pPr>
+            <a:r>
+              <a:rPr b="1" lang="en-GB" sz="1100">
+                <a:latin typeface="Arial"/>
+                <a:ea typeface="Arial"/>
+                <a:cs typeface="Arial"/>
+                <a:sym typeface="Arial"/>
+              </a:rPr>
+              <a:t>Data Layer</a:t>
+            </a:r>
+            <a:r>
+              <a:rPr lang="en-GB" sz="1100">
+                <a:latin typeface="Arial"/>
+                <a:ea typeface="Arial"/>
+                <a:cs typeface="Arial"/>
+                <a:sym typeface="Arial"/>
+              </a:rPr>
+              <a:t>: RDBMS, primarily queried with SQL</a:t>
             </a:r>
             <a:endParaRPr sz="1100">
               <a:latin typeface="Arial"/>
@@ -13361,25 +14145,8 @@
                 <a:cs typeface="Arial"/>
                 <a:sym typeface="Arial"/>
               </a:rPr>
-              <a:t>Three-layer architecture (Presentation Layer, Business Layer, Data Layer)</a:t>
+              <a:t>Key Objective: Prototype</a:t>
             </a:r>
-            <a:endParaRPr sz="1100">
-              <a:latin typeface="Arial"/>
-              <a:ea typeface="Arial"/>
-              <a:cs typeface="Arial"/>
-              <a:sym typeface="Arial"/>
-            </a:endParaRPr>
-          </a:p>
-          <a:p>
-            <a:pPr indent="0" lvl="0" marL="0" rtl="0" algn="l">
-              <a:spcBef>
-                <a:spcPts val="1200"/>
-              </a:spcBef>
-              <a:spcAft>
-                <a:spcPts val="0"/>
-              </a:spcAft>
-              <a:buNone/>
-            </a:pPr>
             <a:r>
               <a:rPr lang="en-GB" sz="1100">
                 <a:latin typeface="Arial"/>
@@ -13387,34 +14154,8 @@
                 <a:cs typeface="Arial"/>
                 <a:sym typeface="Arial"/>
               </a:rPr>
-              <a:t>Focus on Business Layer using </a:t>
+              <a:t> a Participant Data Model to store Participant details, f</a:t>
             </a:r>
-            <a:r>
-              <a:rPr b="1" lang="en-GB" sz="1100">
-                <a:latin typeface="Arial"/>
-                <a:ea typeface="Arial"/>
-                <a:cs typeface="Arial"/>
-                <a:sym typeface="Arial"/>
-              </a:rPr>
-              <a:t>Java</a:t>
-            </a:r>
-            <a:endParaRPr b="1" sz="1100">
-              <a:latin typeface="Arial"/>
-              <a:ea typeface="Arial"/>
-              <a:cs typeface="Arial"/>
-              <a:sym typeface="Arial"/>
-            </a:endParaRPr>
-          </a:p>
-          <a:p>
-            <a:pPr indent="0" lvl="0" marL="0" rtl="0" algn="l">
-              <a:spcBef>
-                <a:spcPts val="1200"/>
-              </a:spcBef>
-              <a:spcAft>
-                <a:spcPts val="0"/>
-              </a:spcAft>
-              <a:buNone/>
-            </a:pPr>
             <a:r>
               <a:rPr lang="en-GB" sz="1100">
                 <a:latin typeface="Arial"/>
@@ -13422,7 +14163,7 @@
                 <a:cs typeface="Arial"/>
                 <a:sym typeface="Arial"/>
               </a:rPr>
-              <a:t>Key Goals:</a:t>
+              <a:t>ocusing on the Business Layer</a:t>
             </a:r>
             <a:endParaRPr sz="1100">
               <a:latin typeface="Arial"/>
@@ -13447,13 +14188,22 @@
               <a:buChar char="●"/>
             </a:pPr>
             <a:r>
+              <a:rPr b="1" lang="en-GB" sz="1100">
+                <a:latin typeface="Arial"/>
+                <a:ea typeface="Arial"/>
+                <a:cs typeface="Arial"/>
+                <a:sym typeface="Arial"/>
+              </a:rPr>
+              <a:t>Scope</a:t>
+            </a:r>
+            <a:r>
               <a:rPr lang="en-GB" sz="1100">
                 <a:latin typeface="Arial"/>
                 <a:ea typeface="Arial"/>
                 <a:cs typeface="Arial"/>
                 <a:sym typeface="Arial"/>
               </a:rPr>
-              <a:t>Data Validation</a:t>
+              <a:t>: Presentation and Data layers are out of scope for this project but should be considered for future expansion and flexibility</a:t>
             </a:r>
             <a:endParaRPr sz="1100">
               <a:latin typeface="Arial"/>
@@ -13478,13 +14228,22 @@
               <a:buChar char="●"/>
             </a:pPr>
             <a:r>
+              <a:rPr b="1" lang="en-GB" sz="1100">
+                <a:latin typeface="Arial"/>
+                <a:ea typeface="Arial"/>
+                <a:cs typeface="Arial"/>
+                <a:sym typeface="Arial"/>
+              </a:rPr>
+              <a:t>OOP Principles</a:t>
+            </a:r>
+            <a:r>
               <a:rPr lang="en-GB" sz="1100">
                 <a:latin typeface="Arial"/>
                 <a:ea typeface="Arial"/>
                 <a:cs typeface="Arial"/>
                 <a:sym typeface="Arial"/>
               </a:rPr>
-              <a:t>Evidence Tracking</a:t>
+              <a:t>: Design classes with constructors, attributes, properties and methods using Java</a:t>
             </a:r>
             <a:endParaRPr sz="1100">
               <a:latin typeface="Arial"/>
@@ -13509,15 +14268,29 @@
               <a:buChar char="●"/>
             </a:pPr>
             <a:r>
+              <a:rPr b="1" lang="en-GB" sz="1100">
+                <a:latin typeface="Arial"/>
+                <a:ea typeface="Arial"/>
+                <a:cs typeface="Arial"/>
+                <a:sym typeface="Arial"/>
+              </a:rPr>
+              <a:t>Testing</a:t>
+            </a:r>
+            <a:r>
               <a:rPr lang="en-GB" sz="1100">
                 <a:latin typeface="Arial"/>
                 <a:ea typeface="Arial"/>
                 <a:cs typeface="Arial"/>
                 <a:sym typeface="Arial"/>
               </a:rPr>
-              <a:t>Flexibility for future updates</a:t>
+              <a:t>: Design a suite of JUnit tests for functionality and service support</a:t>
             </a:r>
-            <a:endParaRPr/>
+            <a:endParaRPr sz="1100">
+              <a:latin typeface="Arial"/>
+              <a:ea typeface="Arial"/>
+              <a:cs typeface="Arial"/>
+              <a:sym typeface="Arial"/>
+            </a:endParaRPr>
           </a:p>
         </p:txBody>
       </p:sp>
@@ -13534,7 +14307,7 @@
   <p:cSld>
     <p:spTree>
       <p:nvGrpSpPr>
-        <p:cNvPr id="262" name="Shape 262"/>
+        <p:cNvPr id="261" name="Shape 261"/>
         <p:cNvGrpSpPr/>
         <p:nvPr/>
       </p:nvGrpSpPr>
@@ -13548,7 +14321,7 @@
       </p:grpSpPr>
       <p:sp>
         <p:nvSpPr>
-          <p:cNvPr id="263" name="Google Shape;263;p32"/>
+          <p:cNvPr id="262" name="Google Shape;262;p32"/>
           <p:cNvSpPr txBox="1"/>
           <p:nvPr>
             <p:ph type="title"/>
@@ -13580,7 +14353,7 @@
             </a:pPr>
             <a:r>
               <a:rPr lang="en-GB"/>
-              <a:t>Challenges</a:t>
+              <a:t>JUnit Test Results: ParticipantTest</a:t>
             </a:r>
             <a:endParaRPr/>
           </a:p>
@@ -13588,7 +14361,7 @@
       </p:sp>
       <p:sp>
         <p:nvSpPr>
-          <p:cNvPr id="264" name="Google Shape;264;p32"/>
+          <p:cNvPr id="263" name="Google Shape;263;p32"/>
           <p:cNvSpPr txBox="1"/>
           <p:nvPr>
             <p:ph idx="1" type="body"/>
@@ -13614,34 +14387,45 @@
                 <a:spcPts val="0"/>
               </a:spcBef>
               <a:spcAft>
-                <a:spcPts val="0"/>
+                <a:spcPts val="1200"/>
               </a:spcAft>
               <a:buNone/>
             </a:pPr>
             <a:r>
-              <a:rPr lang="en-GB"/>
-              <a:t>Getting all tests to pass</a:t>
-            </a:r>
-            <a:endParaRPr/>
-          </a:p>
-          <a:p>
-            <a:pPr indent="0" lvl="0" marL="0" rtl="0" algn="l">
-              <a:spcBef>
-                <a:spcPts val="1200"/>
-              </a:spcBef>
-              <a:spcAft>
-                <a:spcPts val="1200"/>
-              </a:spcAft>
-              <a:buNone/>
-            </a:pPr>
-            <a:r>
-              <a:rPr lang="en-GB"/>
-              <a:t>Fixing bugs</a:t>
+              <a:t/>
             </a:r>
             <a:endParaRPr/>
           </a:p>
         </p:txBody>
       </p:sp>
+      <p:pic>
+        <p:nvPicPr>
+          <p:cNvPr id="264" name="Google Shape;264;p32"/>
+          <p:cNvPicPr preferRelativeResize="0"/>
+          <p:nvPr/>
+        </p:nvPicPr>
+        <p:blipFill>
+          <a:blip r:embed="rId3">
+            <a:alphaModFix/>
+          </a:blip>
+          <a:stretch>
+            <a:fillRect/>
+          </a:stretch>
+        </p:blipFill>
+        <p:spPr>
+          <a:xfrm>
+            <a:off x="1411850" y="1348375"/>
+            <a:ext cx="6810199" cy="3349550"/>
+          </a:xfrm>
+          <a:prstGeom prst="rect">
+            <a:avLst/>
+          </a:prstGeom>
+          <a:noFill/>
+          <a:ln>
+            <a:noFill/>
+          </a:ln>
+        </p:spPr>
+      </p:pic>
     </p:spTree>
   </p:cSld>
   <p:clrMapOvr>
@@ -13701,6 +14485,311 @@
             </a:pPr>
             <a:r>
               <a:rPr lang="en-GB"/>
+              <a:t>Challenges &amp; Future Improvements</a:t>
+            </a:r>
+            <a:endParaRPr/>
+          </a:p>
+        </p:txBody>
+      </p:sp>
+      <p:sp>
+        <p:nvSpPr>
+          <p:cNvPr id="270" name="Google Shape;270;p33"/>
+          <p:cNvSpPr txBox="1"/>
+          <p:nvPr>
+            <p:ph idx="1" type="body"/>
+          </p:nvPr>
+        </p:nvSpPr>
+        <p:spPr>
+          <a:xfrm>
+            <a:off x="1297500" y="1567550"/>
+            <a:ext cx="7038900" cy="2911200"/>
+          </a:xfrm>
+          <a:prstGeom prst="rect">
+            <a:avLst/>
+          </a:prstGeom>
+        </p:spPr>
+        <p:txBody>
+          <a:bodyPr anchorCtr="0" anchor="t" bIns="91425" lIns="91425" spcFirstLastPara="1" rIns="91425" wrap="square" tIns="91425">
+            <a:normAutofit/>
+          </a:bodyPr>
+          <a:lstStyle/>
+          <a:p>
+            <a:pPr indent="0" lvl="0" marL="0" rtl="0" algn="l">
+              <a:spcBef>
+                <a:spcPts val="0"/>
+              </a:spcBef>
+              <a:spcAft>
+                <a:spcPts val="0"/>
+              </a:spcAft>
+              <a:buNone/>
+            </a:pPr>
+            <a:r>
+              <a:rPr b="1" lang="en-GB" sz="1100">
+                <a:latin typeface="Arial"/>
+                <a:ea typeface="Arial"/>
+                <a:cs typeface="Arial"/>
+                <a:sym typeface="Arial"/>
+              </a:rPr>
+              <a:t>Ensuring All Tests Pass</a:t>
+            </a:r>
+            <a:endParaRPr b="1" sz="1100">
+              <a:latin typeface="Arial"/>
+              <a:ea typeface="Arial"/>
+              <a:cs typeface="Arial"/>
+              <a:sym typeface="Arial"/>
+            </a:endParaRPr>
+          </a:p>
+          <a:p>
+            <a:pPr indent="-298450" lvl="0" marL="457200" rtl="0" algn="l">
+              <a:spcBef>
+                <a:spcPts val="1200"/>
+              </a:spcBef>
+              <a:spcAft>
+                <a:spcPts val="0"/>
+              </a:spcAft>
+              <a:buClr>
+                <a:schemeClr val="lt1"/>
+              </a:buClr>
+              <a:buSzPts val="1100"/>
+              <a:buFont typeface="Arial"/>
+              <a:buChar char="●"/>
+            </a:pPr>
+            <a:r>
+              <a:rPr b="1" lang="en-GB" sz="1100">
+                <a:latin typeface="Arial"/>
+                <a:ea typeface="Arial"/>
+                <a:cs typeface="Arial"/>
+                <a:sym typeface="Arial"/>
+              </a:rPr>
+              <a:t>Challenge</a:t>
+            </a:r>
+            <a:r>
+              <a:rPr lang="en-GB" sz="1100">
+                <a:latin typeface="Arial"/>
+                <a:ea typeface="Arial"/>
+                <a:cs typeface="Arial"/>
+                <a:sym typeface="Arial"/>
+              </a:rPr>
+              <a:t>: Ensuring comprehensive test coverage and passing of all tests</a:t>
+            </a:r>
+            <a:endParaRPr sz="1100">
+              <a:latin typeface="Arial"/>
+              <a:ea typeface="Arial"/>
+              <a:cs typeface="Arial"/>
+              <a:sym typeface="Arial"/>
+            </a:endParaRPr>
+          </a:p>
+          <a:p>
+            <a:pPr indent="-298450" lvl="0" marL="457200" rtl="0" algn="l">
+              <a:spcBef>
+                <a:spcPts val="0"/>
+              </a:spcBef>
+              <a:spcAft>
+                <a:spcPts val="0"/>
+              </a:spcAft>
+              <a:buClr>
+                <a:schemeClr val="lt1"/>
+              </a:buClr>
+              <a:buSzPts val="1100"/>
+              <a:buFont typeface="Arial"/>
+              <a:buChar char="●"/>
+            </a:pPr>
+            <a:r>
+              <a:rPr b="1" lang="en-GB" sz="1100">
+                <a:latin typeface="Arial"/>
+                <a:ea typeface="Arial"/>
+                <a:cs typeface="Arial"/>
+                <a:sym typeface="Arial"/>
+              </a:rPr>
+              <a:t>Future Improvement</a:t>
+            </a:r>
+            <a:r>
+              <a:rPr lang="en-GB" sz="1100">
+                <a:latin typeface="Arial"/>
+                <a:ea typeface="Arial"/>
+                <a:cs typeface="Arial"/>
+                <a:sym typeface="Arial"/>
+              </a:rPr>
+              <a:t>: Debugging and fixing </a:t>
+            </a:r>
+            <a:r>
+              <a:rPr lang="en-GB" sz="1100">
+                <a:latin typeface="Arial"/>
+                <a:ea typeface="Arial"/>
+                <a:cs typeface="Arial"/>
+                <a:sym typeface="Arial"/>
+              </a:rPr>
+              <a:t>existing bugs caught by failing of tests</a:t>
+            </a:r>
+            <a:endParaRPr sz="1100">
+              <a:latin typeface="Arial"/>
+              <a:ea typeface="Arial"/>
+              <a:cs typeface="Arial"/>
+              <a:sym typeface="Arial"/>
+            </a:endParaRPr>
+          </a:p>
+          <a:p>
+            <a:pPr indent="0" lvl="0" marL="0" rtl="0" algn="l">
+              <a:spcBef>
+                <a:spcPts val="1200"/>
+              </a:spcBef>
+              <a:spcAft>
+                <a:spcPts val="0"/>
+              </a:spcAft>
+              <a:buNone/>
+            </a:pPr>
+            <a:r>
+              <a:rPr b="1" lang="en-GB" sz="1100">
+                <a:latin typeface="Arial"/>
+                <a:ea typeface="Arial"/>
+                <a:cs typeface="Arial"/>
+                <a:sym typeface="Arial"/>
+              </a:rPr>
+              <a:t>Synchronise UML Diagrams to Implementation</a:t>
+            </a:r>
+            <a:endParaRPr b="1" sz="1100">
+              <a:latin typeface="Arial"/>
+              <a:ea typeface="Arial"/>
+              <a:cs typeface="Arial"/>
+              <a:sym typeface="Arial"/>
+            </a:endParaRPr>
+          </a:p>
+          <a:p>
+            <a:pPr indent="-298450" lvl="0" marL="457200" rtl="0" algn="l">
+              <a:spcBef>
+                <a:spcPts val="1200"/>
+              </a:spcBef>
+              <a:spcAft>
+                <a:spcPts val="0"/>
+              </a:spcAft>
+              <a:buClr>
+                <a:schemeClr val="lt1"/>
+              </a:buClr>
+              <a:buSzPts val="1100"/>
+              <a:buFont typeface="Arial"/>
+              <a:buChar char="●"/>
+            </a:pPr>
+            <a:r>
+              <a:rPr b="1" lang="en-GB" sz="1100">
+                <a:latin typeface="Arial"/>
+                <a:ea typeface="Arial"/>
+                <a:cs typeface="Arial"/>
+                <a:sym typeface="Arial"/>
+              </a:rPr>
+              <a:t>Challenge</a:t>
+            </a:r>
+            <a:r>
+              <a:rPr lang="en-GB" sz="1100">
+                <a:latin typeface="Arial"/>
+                <a:ea typeface="Arial"/>
+                <a:cs typeface="Arial"/>
+                <a:sym typeface="Arial"/>
+              </a:rPr>
+              <a:t>: Not all design aspects map directly to implementation</a:t>
+            </a:r>
+            <a:endParaRPr sz="1100">
+              <a:latin typeface="Arial"/>
+              <a:ea typeface="Arial"/>
+              <a:cs typeface="Arial"/>
+              <a:sym typeface="Arial"/>
+            </a:endParaRPr>
+          </a:p>
+          <a:p>
+            <a:pPr indent="-298450" lvl="0" marL="457200" rtl="0" algn="l">
+              <a:spcBef>
+                <a:spcPts val="0"/>
+              </a:spcBef>
+              <a:spcAft>
+                <a:spcPts val="0"/>
+              </a:spcAft>
+              <a:buClr>
+                <a:schemeClr val="lt1"/>
+              </a:buClr>
+              <a:buSzPts val="1100"/>
+              <a:buFont typeface="Arial"/>
+              <a:buChar char="●"/>
+            </a:pPr>
+            <a:r>
+              <a:rPr b="1" lang="en-GB" sz="1100">
+                <a:latin typeface="Arial"/>
+                <a:ea typeface="Arial"/>
+                <a:cs typeface="Arial"/>
+                <a:sym typeface="Arial"/>
+              </a:rPr>
+              <a:t>Future Improvement</a:t>
+            </a:r>
+            <a:r>
+              <a:rPr lang="en-GB" sz="1100">
+                <a:latin typeface="Arial"/>
+                <a:ea typeface="Arial"/>
+                <a:cs typeface="Arial"/>
+                <a:sym typeface="Arial"/>
+              </a:rPr>
+              <a:t>: Ensure accurate translation of UML diagrams to the implementation</a:t>
+            </a:r>
+            <a:endParaRPr/>
+          </a:p>
+        </p:txBody>
+      </p:sp>
+    </p:spTree>
+  </p:cSld>
+  <p:clrMapOvr>
+    <a:masterClrMapping/>
+  </p:clrMapOvr>
+</p:sld>
+</file>
+
+<file path=ppt/slides/slide22.xml><?xml version="1.0" encoding="utf-8"?>
+<p:sld xmlns:a="http://schemas.openxmlformats.org/drawingml/2006/main" xmlns:r="http://schemas.openxmlformats.org/officeDocument/2006/relationships" xmlns:mc="http://schemas.openxmlformats.org/markup-compatibility/2006" xmlns:mv="urn:schemas-microsoft-com:mac:vml" xmlns:p="http://schemas.openxmlformats.org/presentationml/2006/main" xmlns:c="http://schemas.openxmlformats.org/drawingml/2006/chart" xmlns:dgm="http://schemas.openxmlformats.org/drawingml/2006/diagram" xmlns:o="urn:schemas-microsoft-com:office:office" xmlns:v="urn:schemas-microsoft-com:vml" xmlns:pvml="urn:schemas-microsoft-com:office:powerpoint" xmlns:com="http://schemas.openxmlformats.org/drawingml/2006/compatibility" xmlns:p14="http://schemas.microsoft.com/office/powerpoint/2010/main" xmlns:p15="http://schemas.microsoft.com/office/powerpoint/2012/main" xmlns:ahyp="http://schemas.microsoft.com/office/drawing/2018/hyperlinkcolor">
+  <p:cSld>
+    <p:spTree>
+      <p:nvGrpSpPr>
+        <p:cNvPr id="274" name="Shape 274"/>
+        <p:cNvGrpSpPr/>
+        <p:nvPr/>
+      </p:nvGrpSpPr>
+      <p:grpSpPr>
+        <a:xfrm>
+          <a:off x="0" y="0"/>
+          <a:ext cx="0" cy="0"/>
+          <a:chOff x="0" y="0"/>
+          <a:chExt cx="0" cy="0"/>
+        </a:xfrm>
+      </p:grpSpPr>
+      <p:sp>
+        <p:nvSpPr>
+          <p:cNvPr id="275" name="Google Shape;275;p34"/>
+          <p:cNvSpPr txBox="1"/>
+          <p:nvPr>
+            <p:ph type="title"/>
+          </p:nvPr>
+        </p:nvSpPr>
+        <p:spPr>
+          <a:xfrm>
+            <a:off x="1297500" y="393750"/>
+            <a:ext cx="7038900" cy="914100"/>
+          </a:xfrm>
+          <a:prstGeom prst="rect">
+            <a:avLst/>
+          </a:prstGeom>
+        </p:spPr>
+        <p:txBody>
+          <a:bodyPr anchorCtr="0" anchor="t" bIns="91425" lIns="91425" spcFirstLastPara="1" rIns="91425" wrap="square" tIns="91425">
+            <a:normAutofit/>
+          </a:bodyPr>
+          <a:lstStyle/>
+          <a:p>
+            <a:pPr indent="0" lvl="0" marL="0" rtl="0" algn="l">
+              <a:spcBef>
+                <a:spcPts val="0"/>
+              </a:spcBef>
+              <a:spcAft>
+                <a:spcPts val="0"/>
+              </a:spcAft>
+              <a:buNone/>
+            </a:pPr>
+            <a:r>
+              <a:rPr lang="en-GB"/>
               <a:t>Q&amp;A</a:t>
             </a:r>
             <a:endParaRPr/>
@@ -13709,7 +14798,7 @@
       </p:sp>
       <p:sp>
         <p:nvSpPr>
-          <p:cNvPr id="270" name="Google Shape;270;p33"/>
+          <p:cNvPr id="276" name="Google Shape;276;p34"/>
           <p:cNvSpPr txBox="1"/>
           <p:nvPr>
             <p:ph idx="1" type="body"/>
@@ -13850,6 +14939,15 @@
               <a:buChar char="●"/>
             </a:pPr>
             <a:r>
+              <a:rPr lang="en-GB" sz="1100">
+                <a:latin typeface="Arial"/>
+                <a:ea typeface="Arial"/>
+                <a:cs typeface="Arial"/>
+                <a:sym typeface="Arial"/>
+              </a:rPr>
+              <a:t>Utilised </a:t>
+            </a:r>
+            <a:r>
               <a:rPr b="1" lang="en-GB" sz="1100">
                 <a:latin typeface="Arial"/>
                 <a:ea typeface="Arial"/>
@@ -13858,6 +14956,37 @@
               </a:rPr>
               <a:t>UML modelling</a:t>
             </a:r>
+            <a:endParaRPr sz="1100">
+              <a:latin typeface="Arial"/>
+              <a:ea typeface="Arial"/>
+              <a:cs typeface="Arial"/>
+              <a:sym typeface="Arial"/>
+            </a:endParaRPr>
+          </a:p>
+          <a:p>
+            <a:pPr indent="-298450" lvl="1" marL="914400" rtl="0" algn="l">
+              <a:spcBef>
+                <a:spcPts val="0"/>
+              </a:spcBef>
+              <a:spcAft>
+                <a:spcPts val="0"/>
+              </a:spcAft>
+              <a:buClr>
+                <a:schemeClr val="lt1"/>
+              </a:buClr>
+              <a:buSzPts val="1100"/>
+              <a:buFont typeface="Arial"/>
+              <a:buChar char="○"/>
+            </a:pPr>
+            <a:r>
+              <a:rPr lang="en-GB">
+                <a:latin typeface="Arial"/>
+                <a:ea typeface="Arial"/>
+                <a:cs typeface="Arial"/>
+                <a:sym typeface="Arial"/>
+              </a:rPr>
+              <a:t>Aiming to </a:t>
+            </a:r>
             <a:r>
               <a:rPr lang="en-GB" sz="1100">
                 <a:latin typeface="Arial"/>
@@ -13865,7 +14994,7 @@
                 <a:cs typeface="Arial"/>
                 <a:sym typeface="Arial"/>
               </a:rPr>
-              <a:t> to reduce the amount of costly changes later on in the software development life cycle</a:t>
+              <a:t>reduce the amount of costly changes later on in the software development life cycle</a:t>
             </a:r>
             <a:endParaRPr sz="1100">
               <a:latin typeface="Arial"/>
@@ -13905,7 +15034,7 @@
                 <a:cs typeface="Arial"/>
                 <a:sym typeface="Arial"/>
               </a:rPr>
-              <a:t>Modern OOP Principles</a:t>
+              <a:t>modern OOP principles</a:t>
             </a:r>
             <a:r>
               <a:rPr lang="en-GB" sz="1100">
@@ -13916,14 +15045,28 @@
               </a:rPr>
               <a:t>:</a:t>
             </a:r>
-            <a:br>
-              <a:rPr lang="en-GB" sz="1100">
-                <a:latin typeface="Arial"/>
-                <a:ea typeface="Arial"/>
-                <a:cs typeface="Arial"/>
-                <a:sym typeface="Arial"/>
-              </a:rPr>
-            </a:br>
+            <a:endParaRPr sz="1100">
+              <a:latin typeface="Arial"/>
+              <a:ea typeface="Arial"/>
+              <a:cs typeface="Arial"/>
+              <a:sym typeface="Arial"/>
+            </a:endParaRPr>
+          </a:p>
+          <a:p>
+            <a:pPr indent="-298450" lvl="1" marL="914400" rtl="0" algn="l">
+              <a:spcBef>
+                <a:spcPts val="0"/>
+              </a:spcBef>
+              <a:spcAft>
+                <a:spcPts val="0"/>
+              </a:spcAft>
+              <a:buClr>
+                <a:schemeClr val="lt1"/>
+              </a:buClr>
+              <a:buSzPts val="1100"/>
+              <a:buFont typeface="Arial"/>
+              <a:buChar char="○"/>
+            </a:pPr>
             <a:r>
               <a:rPr lang="en-GB" sz="1100">
                 <a:latin typeface="Arial"/>
@@ -13931,58 +15074,7 @@
                 <a:cs typeface="Arial"/>
                 <a:sym typeface="Arial"/>
               </a:rPr>
-              <a:t> Encapsulation (private fields with public getters/setters)</a:t>
-            </a:r>
-            <a:br>
-              <a:rPr lang="en-GB" sz="1100">
-                <a:latin typeface="Arial"/>
-                <a:ea typeface="Arial"/>
-                <a:cs typeface="Arial"/>
-                <a:sym typeface="Arial"/>
-              </a:rPr>
-            </a:br>
-            <a:r>
-              <a:rPr lang="en-GB" sz="1100">
-                <a:latin typeface="Arial"/>
-                <a:ea typeface="Arial"/>
-                <a:cs typeface="Arial"/>
-                <a:sym typeface="Arial"/>
-              </a:rPr>
-              <a:t> Inheritance (Evidence superclass)</a:t>
-            </a:r>
-            <a:br>
-              <a:rPr lang="en-GB" sz="1100">
-                <a:latin typeface="Arial"/>
-                <a:ea typeface="Arial"/>
-                <a:cs typeface="Arial"/>
-                <a:sym typeface="Arial"/>
-              </a:rPr>
-            </a:br>
-            <a:r>
-              <a:rPr lang="en-GB" sz="1100">
-                <a:latin typeface="Arial"/>
-                <a:ea typeface="Arial"/>
-                <a:cs typeface="Arial"/>
-                <a:sym typeface="Arial"/>
-              </a:rPr>
-              <a:t> Polymorphism (reusing Evidence for different types)</a:t>
-            </a:r>
-            <a:br>
-              <a:rPr lang="en-GB" sz="1100">
-                <a:latin typeface="Arial"/>
-                <a:ea typeface="Arial"/>
-                <a:cs typeface="Arial"/>
-                <a:sym typeface="Arial"/>
-              </a:rPr>
-            </a:br>
-            <a:r>
-              <a:rPr lang="en-GB" sz="1100">
-                <a:latin typeface="Arial"/>
-                <a:ea typeface="Arial"/>
-                <a:cs typeface="Arial"/>
-                <a:sym typeface="Arial"/>
-              </a:rPr>
-              <a:t> Composition (Participant contains multiple Evidence objects)</a:t>
+              <a:t>Encapsulation (private fields with public getters/setters)</a:t>
             </a:r>
             <a:endParaRPr sz="1100">
               <a:latin typeface="Arial"/>
@@ -13992,7 +15084,7 @@
             </a:endParaRPr>
           </a:p>
           <a:p>
-            <a:pPr indent="-298450" lvl="0" marL="457200" rtl="0" algn="l">
+            <a:pPr indent="-298450" lvl="1" marL="914400" rtl="0" algn="l">
               <a:spcBef>
                 <a:spcPts val="0"/>
               </a:spcBef>
@@ -14004,7 +15096,7 @@
               </a:buClr>
               <a:buSzPts val="1100"/>
               <a:buFont typeface="Arial"/>
-              <a:buChar char="●"/>
+              <a:buChar char="○"/>
             </a:pPr>
             <a:r>
               <a:rPr lang="en-GB" sz="1100">
@@ -14013,7 +15105,69 @@
                 <a:cs typeface="Arial"/>
                 <a:sym typeface="Arial"/>
               </a:rPr>
-              <a:t>Clean separation of concerns – each class handles one responsibility</a:t>
+              <a:t>Inheritance (Evidence superclass)</a:t>
+            </a:r>
+            <a:endParaRPr sz="1100">
+              <a:latin typeface="Arial"/>
+              <a:ea typeface="Arial"/>
+              <a:cs typeface="Arial"/>
+              <a:sym typeface="Arial"/>
+            </a:endParaRPr>
+          </a:p>
+          <a:p>
+            <a:pPr indent="-298450" lvl="1" marL="914400" rtl="0" algn="l">
+              <a:spcBef>
+                <a:spcPts val="0"/>
+              </a:spcBef>
+              <a:spcAft>
+                <a:spcPts val="0"/>
+              </a:spcAft>
+              <a:buClr>
+                <a:schemeClr val="lt1"/>
+              </a:buClr>
+              <a:buSzPts val="1100"/>
+              <a:buFont typeface="Arial"/>
+              <a:buChar char="○"/>
+            </a:pPr>
+            <a:r>
+              <a:rPr lang="en-GB" sz="1100">
+                <a:latin typeface="Arial"/>
+                <a:ea typeface="Arial"/>
+                <a:cs typeface="Arial"/>
+                <a:sym typeface="Arial"/>
+              </a:rPr>
+              <a:t>Polymorphism (reusing Evidence for different types)</a:t>
+            </a:r>
+            <a:endParaRPr sz="1100">
+              <a:latin typeface="Arial"/>
+              <a:ea typeface="Arial"/>
+              <a:cs typeface="Arial"/>
+              <a:sym typeface="Arial"/>
+            </a:endParaRPr>
+          </a:p>
+          <a:p>
+            <a:pPr indent="-298450" lvl="1" marL="914400" rtl="0" algn="l">
+              <a:spcBef>
+                <a:spcPts val="0"/>
+              </a:spcBef>
+              <a:spcAft>
+                <a:spcPts val="0"/>
+              </a:spcAft>
+              <a:buClr>
+                <a:schemeClr val="lt1"/>
+              </a:buClr>
+              <a:buSzPts val="1100"/>
+              <a:buFont typeface="Arial"/>
+              <a:buChar char="○"/>
+            </a:pPr>
+            <a:r>
+              <a:rPr lang="en-GB" sz="1100">
+                <a:latin typeface="Arial"/>
+                <a:ea typeface="Arial"/>
+                <a:cs typeface="Arial"/>
+                <a:sym typeface="Arial"/>
+              </a:rPr>
+              <a:t>Composition (Participant contains multiple Evidence objects)</a:t>
             </a:r>
             <a:endParaRPr sz="1100">
               <a:latin typeface="Arial"/>
@@ -14102,7 +15256,25 @@
                 <a:cs typeface="Arial"/>
                 <a:sym typeface="Arial"/>
               </a:rPr>
-              <a:t> – Each class focuses on one task</a:t>
+              <a:t> – Each class focuses on one task (c</a:t>
+            </a:r>
+            <a:r>
+              <a:rPr lang="en-GB">
+                <a:latin typeface="Arial"/>
+                <a:ea typeface="Arial"/>
+                <a:cs typeface="Arial"/>
+                <a:sym typeface="Arial"/>
+              </a:rPr>
+              <a:t>lean separation of concerns</a:t>
+            </a:r>
+            <a:r>
+              <a:rPr lang="en-GB">
+                <a:latin typeface="Arial"/>
+                <a:ea typeface="Arial"/>
+                <a:cs typeface="Arial"/>
+                <a:sym typeface="Arial"/>
+              </a:rPr>
+              <a:t>)</a:t>
             </a:r>
             <a:endParaRPr>
               <a:latin typeface="Arial"/>
@@ -14267,7 +15439,11 @@
             </a:pPr>
             <a:r>
               <a:rPr lang="en-GB"/>
-              <a:t>Class Diagram</a:t>
+              <a:t>Class Diagram </a:t>
+            </a:r>
+            <a:r>
+              <a:rPr lang="en-GB"/>
+              <a:t>&amp; PlantUML Code</a:t>
             </a:r>
             <a:endParaRPr/>
           </a:p>
@@ -14328,8 +15504,8 @@
         </p:blipFill>
         <p:spPr>
           <a:xfrm>
-            <a:off x="1883538" y="1567550"/>
-            <a:ext cx="5376925" cy="2911201"/>
+            <a:off x="2128495" y="1567550"/>
+            <a:ext cx="5376908" cy="2911201"/>
           </a:xfrm>
           <a:prstGeom prst="rect">
             <a:avLst/>
@@ -14467,8 +15643,8 @@
         </p:blipFill>
         <p:spPr>
           <a:xfrm>
-            <a:off x="-1" y="96350"/>
-            <a:ext cx="9144001" cy="4950792"/>
+            <a:off x="0" y="96363"/>
+            <a:ext cx="9144001" cy="4950783"/>
           </a:xfrm>
           <a:prstGeom prst="rect">
             <a:avLst/>
@@ -14527,8 +15703,8 @@
         </p:blipFill>
         <p:spPr>
           <a:xfrm>
-            <a:off x="4940450" y="3005600"/>
-            <a:ext cx="3026850" cy="1961825"/>
+            <a:off x="4442014" y="252525"/>
+            <a:ext cx="3674275" cy="2915379"/>
           </a:xfrm>
           <a:prstGeom prst="rect">
             <a:avLst/>
@@ -14545,18 +15721,17 @@
           <p:cNvPicPr preferRelativeResize="0"/>
           <p:nvPr/>
         </p:nvPicPr>
-        <p:blipFill>
+        <p:blipFill rotWithShape="1">
           <a:blip r:embed="rId4">
             <a:alphaModFix/>
           </a:blip>
-          <a:stretch>
-            <a:fillRect/>
-          </a:stretch>
+          <a:srcRect b="0" l="0" r="2085" t="0"/>
+          <a:stretch/>
         </p:blipFill>
         <p:spPr>
           <a:xfrm>
-            <a:off x="1045675" y="0"/>
-            <a:ext cx="3894775" cy="3932024"/>
+            <a:off x="4442013" y="3167904"/>
+            <a:ext cx="3674268" cy="981646"/>
           </a:xfrm>
           <a:prstGeom prst="rect">
             <a:avLst/>
@@ -14573,17 +15748,18 @@
           <p:cNvPicPr preferRelativeResize="0"/>
           <p:nvPr/>
         </p:nvPicPr>
-        <p:blipFill rotWithShape="1">
+        <p:blipFill>
           <a:blip r:embed="rId5">
             <a:alphaModFix/>
           </a:blip>
-          <a:srcRect b="0" l="0" r="0" t="23559"/>
-          <a:stretch/>
+          <a:stretch>
+            <a:fillRect/>
+          </a:stretch>
         </p:blipFill>
         <p:spPr>
           <a:xfrm>
-            <a:off x="4940450" y="0"/>
-            <a:ext cx="2670000" cy="3005600"/>
+            <a:off x="1027721" y="252501"/>
+            <a:ext cx="3239132" cy="3661521"/>
           </a:xfrm>
           <a:prstGeom prst="rect">
             <a:avLst/>
@@ -14600,17 +15776,18 @@
           <p:cNvPicPr preferRelativeResize="0"/>
           <p:nvPr/>
         </p:nvPicPr>
-        <p:blipFill rotWithShape="1">
-          <a:blip r:embed="rId5">
+        <p:blipFill>
+          <a:blip r:embed="rId6">
             <a:alphaModFix/>
           </a:blip>
-          <a:srcRect b="75053" l="0" r="0" t="0"/>
-          <a:stretch/>
+          <a:stretch>
+            <a:fillRect/>
+          </a:stretch>
         </p:blipFill>
         <p:spPr>
           <a:xfrm>
-            <a:off x="1045675" y="3932025"/>
-            <a:ext cx="2670000" cy="980926"/>
+            <a:off x="1027713" y="3914006"/>
+            <a:ext cx="3239142" cy="976982"/>
           </a:xfrm>
           <a:prstGeom prst="rect">
             <a:avLst/>
@@ -14679,7 +15856,8 @@
               <a:buNone/>
             </a:pPr>
             <a:r>
-              <a:t/>
+              <a:rPr lang="en-GB"/>
+              <a:t>Class Diagram</a:t>
             </a:r>
             <a:endParaRPr/>
           </a:p>
@@ -14704,9 +15882,35 @@
         </p:spPr>
         <p:txBody>
           <a:bodyPr anchorCtr="0" anchor="t" bIns="91425" lIns="91425" spcFirstLastPara="1" rIns="91425" wrap="square" tIns="91425">
-            <a:normAutofit/>
+            <a:normAutofit lnSpcReduction="10000"/>
           </a:bodyPr>
           <a:lstStyle/>
+          <a:p>
+            <a:pPr indent="0" lvl="0" marL="0" rtl="0" algn="l">
+              <a:spcBef>
+                <a:spcPts val="1200"/>
+              </a:spcBef>
+              <a:spcAft>
+                <a:spcPts val="0"/>
+              </a:spcAft>
+              <a:buNone/>
+            </a:pPr>
+            <a:r>
+              <a:rPr lang="en-GB" sz="1100">
+                <a:latin typeface="Arial"/>
+                <a:ea typeface="Arial"/>
+                <a:cs typeface="Arial"/>
+                <a:sym typeface="Arial"/>
+              </a:rPr>
+              <a:t>Classes:</a:t>
+            </a:r>
+            <a:endParaRPr sz="1100">
+              <a:latin typeface="Arial"/>
+              <a:ea typeface="Arial"/>
+              <a:cs typeface="Arial"/>
+              <a:sym typeface="Arial"/>
+            </a:endParaRPr>
+          </a:p>
           <a:p>
             <a:pPr indent="-298450" lvl="0" marL="457200" rtl="0" algn="l">
               <a:spcBef>
@@ -14769,6 +15973,46 @@
                 <a:cs typeface="Arial"/>
                 <a:sym typeface="Arial"/>
               </a:rPr>
+              <a:t>NationalInsuranceNumber</a:t>
+            </a:r>
+            <a:r>
+              <a:rPr lang="en-GB" sz="1100">
+                <a:latin typeface="Arial"/>
+                <a:ea typeface="Arial"/>
+                <a:cs typeface="Arial"/>
+                <a:sym typeface="Arial"/>
+              </a:rPr>
+              <a:t> – Separate class to handle NINO and prospect status</a:t>
+            </a:r>
+            <a:endParaRPr sz="1100">
+              <a:latin typeface="Arial"/>
+              <a:ea typeface="Arial"/>
+              <a:cs typeface="Arial"/>
+              <a:sym typeface="Arial"/>
+            </a:endParaRPr>
+          </a:p>
+          <a:p>
+            <a:pPr indent="-298450" lvl="0" marL="457200" rtl="0" algn="l">
+              <a:spcBef>
+                <a:spcPts val="0"/>
+              </a:spcBef>
+              <a:spcAft>
+                <a:spcPts val="0"/>
+              </a:spcAft>
+              <a:buClr>
+                <a:schemeClr val="lt1"/>
+              </a:buClr>
+              <a:buSzPts val="1100"/>
+              <a:buFont typeface="Arial"/>
+              <a:buChar char="●"/>
+            </a:pPr>
+            <a:r>
+              <a:rPr b="1" lang="en-GB" sz="1100">
+                <a:latin typeface="Arial"/>
+                <a:ea typeface="Arial"/>
+                <a:cs typeface="Arial"/>
+                <a:sym typeface="Arial"/>
+              </a:rPr>
               <a:t>Evidence</a:t>
             </a:r>
             <a:r>
@@ -14809,7 +16053,61 @@
                 <a:cs typeface="Arial"/>
                 <a:sym typeface="Arial"/>
               </a:rPr>
-              <a:t>FirstNameEvidence, SurnameEvidence, AddressEvidence, BankAccountEvidence</a:t>
+              <a:t>FirstNameEvidence</a:t>
+            </a:r>
+            <a:r>
+              <a:rPr lang="en-GB" sz="1100">
+                <a:latin typeface="Arial"/>
+                <a:ea typeface="Arial"/>
+                <a:cs typeface="Arial"/>
+                <a:sym typeface="Arial"/>
+              </a:rPr>
+              <a:t>, </a:t>
+            </a:r>
+            <a:r>
+              <a:rPr b="1" lang="en-GB" sz="1100">
+                <a:latin typeface="Arial"/>
+                <a:ea typeface="Arial"/>
+                <a:cs typeface="Arial"/>
+                <a:sym typeface="Arial"/>
+              </a:rPr>
+              <a:t>SurnameEvidence</a:t>
+            </a:r>
+            <a:r>
+              <a:rPr lang="en-GB" sz="1100">
+                <a:latin typeface="Arial"/>
+                <a:ea typeface="Arial"/>
+                <a:cs typeface="Arial"/>
+                <a:sym typeface="Arial"/>
+              </a:rPr>
+              <a:t>, </a:t>
+            </a:r>
+            <a:r>
+              <a:rPr b="1" lang="en-GB" sz="1100">
+                <a:latin typeface="Arial"/>
+                <a:ea typeface="Arial"/>
+                <a:cs typeface="Arial"/>
+                <a:sym typeface="Arial"/>
+              </a:rPr>
+              <a:t>AddressEvidence</a:t>
+            </a:r>
+            <a:r>
+              <a:rPr lang="en-GB" sz="1100">
+                <a:latin typeface="Arial"/>
+                <a:ea typeface="Arial"/>
+                <a:cs typeface="Arial"/>
+                <a:sym typeface="Arial"/>
+              </a:rPr>
+              <a:t>, </a:t>
+            </a:r>
+            <a:r>
+              <a:rPr b="1" lang="en-GB" sz="1100">
+                <a:latin typeface="Arial"/>
+                <a:ea typeface="Arial"/>
+                <a:cs typeface="Arial"/>
+                <a:sym typeface="Arial"/>
+              </a:rPr>
+              <a:t>BankAccountEvidence</a:t>
             </a:r>
             <a:r>
               <a:rPr lang="en-GB" sz="1100">
@@ -14828,9 +16126,35 @@
             </a:endParaRPr>
           </a:p>
           <a:p>
+            <a:pPr indent="0" lvl="0" marL="0" rtl="0" algn="l">
+              <a:spcBef>
+                <a:spcPts val="1200"/>
+              </a:spcBef>
+              <a:spcAft>
+                <a:spcPts val="0"/>
+              </a:spcAft>
+              <a:buNone/>
+            </a:pPr>
+            <a:r>
+              <a:rPr lang="en-GB" sz="1100">
+                <a:latin typeface="Arial"/>
+                <a:ea typeface="Arial"/>
+                <a:cs typeface="Arial"/>
+                <a:sym typeface="Arial"/>
+              </a:rPr>
+              <a:t>Relationships:</a:t>
+            </a:r>
+            <a:endParaRPr sz="1100">
+              <a:latin typeface="Arial"/>
+              <a:ea typeface="Arial"/>
+              <a:cs typeface="Arial"/>
+              <a:sym typeface="Arial"/>
+            </a:endParaRPr>
+          </a:p>
+          <a:p>
             <a:pPr indent="-298450" lvl="0" marL="457200" rtl="0" algn="l">
               <a:spcBef>
-                <a:spcPts val="0"/>
+                <a:spcPts val="1200"/>
               </a:spcBef>
               <a:spcAft>
                 <a:spcPts val="0"/>
@@ -14849,7 +16173,7 @@
                 <a:cs typeface="Arial"/>
                 <a:sym typeface="Arial"/>
               </a:rPr>
-              <a:t>NationalInsuranceNumber</a:t>
+              <a:t>One-to-one</a:t>
             </a:r>
             <a:r>
               <a:rPr lang="en-GB" sz="1100">
@@ -14858,51 +16182,7 @@
                 <a:cs typeface="Arial"/>
                 <a:sym typeface="Arial"/>
               </a:rPr>
-              <a:t> – Separate class to handle NINO and prospect status</a:t>
-            </a:r>
-            <a:endParaRPr sz="1100">
-              <a:latin typeface="Arial"/>
-              <a:ea typeface="Arial"/>
-              <a:cs typeface="Arial"/>
-              <a:sym typeface="Arial"/>
-            </a:endParaRPr>
-          </a:p>
-          <a:p>
-            <a:pPr indent="0" lvl="0" marL="0" rtl="0" algn="l">
-              <a:spcBef>
-                <a:spcPts val="1200"/>
-              </a:spcBef>
-              <a:spcAft>
-                <a:spcPts val="0"/>
-              </a:spcAft>
-              <a:buNone/>
-            </a:pPr>
-            <a:r>
-              <a:rPr lang="en-GB" sz="1100">
-                <a:latin typeface="Arial"/>
-                <a:ea typeface="Arial"/>
-                <a:cs typeface="Arial"/>
-                <a:sym typeface="Arial"/>
-              </a:rPr>
-              <a:t>Explain </a:t>
-            </a:r>
-            <a:r>
-              <a:rPr b="1" lang="en-GB" sz="1100">
-                <a:latin typeface="Arial"/>
-                <a:ea typeface="Arial"/>
-                <a:cs typeface="Arial"/>
-                <a:sym typeface="Arial"/>
-              </a:rPr>
-              <a:t>relationships</a:t>
-            </a:r>
-            <a:r>
-              <a:rPr lang="en-GB" sz="1100">
-                <a:latin typeface="Arial"/>
-                <a:ea typeface="Arial"/>
-                <a:cs typeface="Arial"/>
-                <a:sym typeface="Arial"/>
-              </a:rPr>
-              <a:t>:</a:t>
+              <a:t> from Participant to NationalInsuranceNumber</a:t>
             </a:r>
             <a:endParaRPr sz="1100">
               <a:latin typeface="Arial"/>
@@ -14914,7 +16194,7 @@
           <a:p>
             <a:pPr indent="-298450" lvl="0" marL="457200" rtl="0" algn="l">
               <a:spcBef>
-                <a:spcPts val="1200"/>
+                <a:spcPts val="0"/>
               </a:spcBef>
               <a:spcAft>
                 <a:spcPts val="0"/>
@@ -14942,7 +16222,25 @@
                 <a:cs typeface="Arial"/>
                 <a:sym typeface="Arial"/>
               </a:rPr>
-              <a:t> from Participant → Evidence</a:t>
+              <a:t> from Participant to Evidence (including </a:t>
+            </a:r>
+            <a:r>
+              <a:rPr lang="en-GB" sz="1100">
+                <a:latin typeface="Arial"/>
+                <a:ea typeface="Arial"/>
+                <a:cs typeface="Arial"/>
+                <a:sym typeface="Arial"/>
+              </a:rPr>
+              <a:t>FirstNameEvidence, SurnameEvidence, AddressEvidence, BankAccountEvidence</a:t>
+            </a:r>
+            <a:r>
+              <a:rPr lang="en-GB" sz="1100">
+                <a:latin typeface="Arial"/>
+                <a:ea typeface="Arial"/>
+                <a:cs typeface="Arial"/>
+                <a:sym typeface="Arial"/>
+              </a:rPr>
+              <a:t>)</a:t>
             </a:r>
             <a:endParaRPr sz="1100">
               <a:latin typeface="Arial"/>
@@ -14967,13 +16265,22 @@
               <a:buChar char="●"/>
             </a:pPr>
             <a:r>
+              <a:rPr lang="en-GB" sz="1100">
+                <a:latin typeface="Arial"/>
+                <a:ea typeface="Arial"/>
+                <a:cs typeface="Arial"/>
+                <a:sym typeface="Arial"/>
+              </a:rPr>
+              <a:t>FirstNameEvidence, SurnameEvidence, AddressEvidence, BankAccountEvidence </a:t>
+            </a:r>
+            <a:r>
               <a:rPr b="1" lang="en-GB" sz="1100">
                 <a:latin typeface="Arial"/>
                 <a:ea typeface="Arial"/>
                 <a:cs typeface="Arial"/>
                 <a:sym typeface="Arial"/>
               </a:rPr>
-              <a:t>Inheritance</a:t>
+              <a:t>inherit </a:t>
             </a:r>
             <a:r>
               <a:rPr lang="en-GB" sz="1100">
@@ -14982,29 +16289,14 @@
                 <a:cs typeface="Arial"/>
                 <a:sym typeface="Arial"/>
               </a:rPr>
-              <a:t> for evidence handling</a:t>
+              <a:t>from Evidence</a:t>
             </a:r>
-            <a:endParaRPr sz="1100">
+            <a:endParaRPr b="1" sz="1100">
               <a:latin typeface="Arial"/>
               <a:ea typeface="Arial"/>
               <a:cs typeface="Arial"/>
               <a:sym typeface="Arial"/>
             </a:endParaRPr>
-          </a:p>
-          <a:p>
-            <a:pPr indent="0" lvl="0" marL="0" rtl="0" algn="l">
-              <a:spcBef>
-                <a:spcPts val="1200"/>
-              </a:spcBef>
-              <a:spcAft>
-                <a:spcPts val="1200"/>
-              </a:spcAft>
-              <a:buNone/>
-            </a:pPr>
-            <a:r>
-              <a:t/>
-            </a:r>
-            <a:endParaRPr/>
           </a:p>
         </p:txBody>
       </p:sp>
@@ -15067,7 +16359,7 @@
             </a:pPr>
             <a:r>
               <a:rPr lang="en-GB"/>
-              <a:t>Activity Diagram</a:t>
+              <a:t>Activity Diagram &amp; PlantUML Code</a:t>
             </a:r>
             <a:endParaRPr/>
           </a:p>
@@ -15122,13 +16414,13 @@
           <a:blip r:embed="rId3">
             <a:alphaModFix/>
           </a:blip>
-          <a:srcRect b="47290" l="0" r="0" t="0"/>
+          <a:srcRect b="67817" l="0" r="0" t="0"/>
           <a:stretch/>
         </p:blipFill>
         <p:spPr>
           <a:xfrm>
-            <a:off x="2591363" y="1567550"/>
-            <a:ext cx="1671999" cy="2911201"/>
+            <a:off x="2116313" y="1567550"/>
+            <a:ext cx="1265725" cy="2911201"/>
           </a:xfrm>
           <a:prstGeom prst="rect">
             <a:avLst/>
@@ -15149,13 +16441,40 @@
           <a:blip r:embed="rId3">
             <a:alphaModFix/>
           </a:blip>
-          <a:srcRect b="0" l="0" r="0" t="47290"/>
+          <a:srcRect b="33708" l="0" r="0" t="32180"/>
           <a:stretch/>
         </p:blipFill>
         <p:spPr>
           <a:xfrm>
-            <a:off x="5370538" y="1567548"/>
-            <a:ext cx="1672001" cy="2911201"/>
+            <a:off x="4010688" y="1567550"/>
+            <a:ext cx="1194173" cy="2911201"/>
+          </a:xfrm>
+          <a:prstGeom prst="rect">
+            <a:avLst/>
+          </a:prstGeom>
+          <a:noFill/>
+          <a:ln>
+            <a:noFill/>
+          </a:ln>
+        </p:spPr>
+      </p:pic>
+      <p:pic>
+        <p:nvPicPr>
+          <p:cNvPr id="184" name="Google Shape;184;p20"/>
+          <p:cNvPicPr preferRelativeResize="0"/>
+          <p:nvPr/>
+        </p:nvPicPr>
+        <p:blipFill rotWithShape="1">
+          <a:blip r:embed="rId3">
+            <a:alphaModFix/>
+          </a:blip>
+          <a:srcRect b="0" l="0" r="0" t="65890"/>
+          <a:stretch/>
+        </p:blipFill>
+        <p:spPr>
+          <a:xfrm>
+            <a:off x="5833513" y="1567550"/>
+            <a:ext cx="1194175" cy="2911196"/>
           </a:xfrm>
           <a:prstGeom prst="rect">
             <a:avLst/>
@@ -15186,7 +16505,7 @@
     </p:bg>
     <p:spTree>
       <p:nvGrpSpPr>
-        <p:cNvPr id="187" name="Shape 187"/>
+        <p:cNvPr id="188" name="Shape 188"/>
         <p:cNvGrpSpPr/>
         <p:nvPr/>
       </p:nvGrpSpPr>
@@ -15198,102 +16517,52 @@
           <a:chExt cx="0" cy="0"/>
         </a:xfrm>
       </p:grpSpPr>
-      <p:sp>
-        <p:nvSpPr>
-          <p:cNvPr id="188" name="Google Shape;188;p21"/>
-          <p:cNvSpPr txBox="1"/>
-          <p:nvPr>
-            <p:ph type="title"/>
-          </p:nvPr>
-        </p:nvSpPr>
+      <p:pic>
+        <p:nvPicPr>
+          <p:cNvPr id="189" name="Google Shape;189;p21"/>
+          <p:cNvPicPr preferRelativeResize="0"/>
+          <p:nvPr/>
+        </p:nvPicPr>
+        <p:blipFill>
+          <a:blip r:embed="rId3">
+            <a:alphaModFix/>
+          </a:blip>
+          <a:stretch>
+            <a:fillRect/>
+          </a:stretch>
+        </p:blipFill>
         <p:spPr>
           <a:xfrm>
-            <a:off x="1297500" y="393750"/>
-            <a:ext cx="7038900" cy="914100"/>
+            <a:off x="1117037" y="0"/>
+            <a:ext cx="1903965" cy="5143500"/>
           </a:xfrm>
           <a:prstGeom prst="rect">
             <a:avLst/>
           </a:prstGeom>
+          <a:noFill/>
+          <a:ln>
+            <a:noFill/>
+          </a:ln>
         </p:spPr>
-        <p:txBody>
-          <a:bodyPr anchorCtr="0" anchor="t" bIns="91425" lIns="91425" spcFirstLastPara="1" rIns="91425" wrap="square" tIns="91425">
-            <a:normAutofit/>
-          </a:bodyPr>
-          <a:lstStyle/>
-          <a:p>
-            <a:pPr indent="0" lvl="0" marL="0" rtl="0" algn="l">
-              <a:spcBef>
-                <a:spcPts val="0"/>
-              </a:spcBef>
-              <a:spcAft>
-                <a:spcPts val="0"/>
-              </a:spcAft>
-              <a:buNone/>
-            </a:pPr>
-            <a:r>
-              <a:rPr lang="en-GB"/>
-              <a:t>Activity Diagram</a:t>
-            </a:r>
-            <a:endParaRPr/>
-          </a:p>
-        </p:txBody>
-      </p:sp>
-      <p:sp>
-        <p:nvSpPr>
-          <p:cNvPr id="189" name="Google Shape;189;p21"/>
-          <p:cNvSpPr txBox="1"/>
-          <p:nvPr>
-            <p:ph idx="1" type="body"/>
-          </p:nvPr>
-        </p:nvSpPr>
-        <p:spPr>
-          <a:xfrm>
-            <a:off x="1297500" y="1567550"/>
-            <a:ext cx="7038900" cy="2911200"/>
-          </a:xfrm>
-          <a:prstGeom prst="rect">
-            <a:avLst/>
-          </a:prstGeom>
-        </p:spPr>
-        <p:txBody>
-          <a:bodyPr anchorCtr="0" anchor="t" bIns="91425" lIns="91425" spcFirstLastPara="1" rIns="91425" wrap="square" tIns="91425">
-            <a:normAutofit/>
-          </a:bodyPr>
-          <a:lstStyle/>
-          <a:p>
-            <a:pPr indent="0" lvl="0" marL="0" rtl="0" algn="l">
-              <a:spcBef>
-                <a:spcPts val="0"/>
-              </a:spcBef>
-              <a:spcAft>
-                <a:spcPts val="1200"/>
-              </a:spcAft>
-              <a:buNone/>
-            </a:pPr>
-            <a:r>
-              <a:t/>
-            </a:r>
-            <a:endParaRPr/>
-          </a:p>
-        </p:txBody>
-      </p:sp>
+      </p:pic>
       <p:pic>
         <p:nvPicPr>
           <p:cNvPr id="190" name="Google Shape;190;p21"/>
           <p:cNvPicPr preferRelativeResize="0"/>
           <p:nvPr/>
         </p:nvPicPr>
-        <p:blipFill rotWithShape="1">
-          <a:blip r:embed="rId3">
+        <p:blipFill>
+          <a:blip r:embed="rId4">
             <a:alphaModFix/>
           </a:blip>
-          <a:srcRect b="47290" l="0" r="0" t="0"/>
-          <a:stretch/>
+          <a:stretch>
+            <a:fillRect/>
+          </a:stretch>
         </p:blipFill>
         <p:spPr>
           <a:xfrm>
-            <a:off x="1309291" y="25013"/>
-            <a:ext cx="2954060" cy="5143501"/>
+            <a:off x="3623004" y="0"/>
+            <a:ext cx="1730624" cy="5143501"/>
           </a:xfrm>
           <a:prstGeom prst="rect">
             <a:avLst/>
@@ -15310,17 +16579,18 @@
           <p:cNvPicPr preferRelativeResize="0"/>
           <p:nvPr/>
         </p:nvPicPr>
-        <p:blipFill rotWithShape="1">
-          <a:blip r:embed="rId3">
+        <p:blipFill>
+          <a:blip r:embed="rId5">
             <a:alphaModFix/>
           </a:blip>
-          <a:srcRect b="0" l="0" r="0" t="48038"/>
-          <a:stretch/>
+          <a:stretch>
+            <a:fillRect/>
+          </a:stretch>
         </p:blipFill>
         <p:spPr>
           <a:xfrm>
-            <a:off x="5370550" y="-25021"/>
-            <a:ext cx="2954050" cy="5070408"/>
+            <a:off x="5955630" y="0"/>
+            <a:ext cx="2071308" cy="5143497"/>
           </a:xfrm>
           <a:prstGeom prst="rect">
             <a:avLst/>
